--- a/site/week-1/week-1.tr.md_word.pptx
+++ b/site/week-1/week-1.tr.md_word.pptx
@@ -3580,70 +3580,21 @@
               <a:buNone/>
             </a:pPr>
             <a:r>
-              <a:rPr b="1" dirty="0" err="1"/>
+              <a:rPr b="1"/>
               <a:t>Anahat</a:t>
             </a:r>
-            <a:endParaRPr b="1" dirty="0"/>
           </a:p>
           <a:p>
             <a:pPr lvl="0"/>
-            <a:endParaRPr lang="tr-TR" dirty="0"/>
+            <a:r>
+              <a:t>Veritabanı ve İlişkisel Veritabanı Anlamak</a:t>
+            </a:r>
           </a:p>
           <a:p>
             <a:pPr lvl="0"/>
             <a:r>
-              <a:rPr dirty="0" err="1"/>
-              <a:t>Veritabanı</a:t>
-            </a:r>
-            <a:r>
-              <a:rPr dirty="0"/>
-              <a:t> </a:t>
-            </a:r>
-            <a:r>
-              <a:rPr dirty="0" err="1"/>
-              <a:t>ve</a:t>
-            </a:r>
-            <a:r>
-              <a:rPr dirty="0"/>
-              <a:t> </a:t>
-            </a:r>
-            <a:r>
-              <a:rPr dirty="0" err="1"/>
-              <a:t>İlişkisel</a:t>
-            </a:r>
-            <a:r>
-              <a:rPr dirty="0"/>
-              <a:t> </a:t>
-            </a:r>
-            <a:r>
-              <a:rPr dirty="0" err="1"/>
-              <a:t>Veritabanı</a:t>
-            </a:r>
-            <a:r>
-              <a:rPr dirty="0"/>
-              <a:t> </a:t>
-            </a:r>
-            <a:r>
-              <a:rPr dirty="0" err="1"/>
-              <a:t>Anlamak</a:t>
-            </a:r>
-            <a:endParaRPr dirty="0"/>
-          </a:p>
-          <a:p>
-            <a:pPr lvl="0"/>
-            <a:r>
-              <a:rPr dirty="0" err="1"/>
-              <a:t>Veritabanı</a:t>
-            </a:r>
-            <a:r>
-              <a:rPr dirty="0"/>
-              <a:t> </a:t>
-            </a:r>
-            <a:r>
-              <a:rPr dirty="0" err="1"/>
-              <a:t>Tasarımı</a:t>
-            </a:r>
-            <a:endParaRPr dirty="0"/>
+              <a:t>Veritabanı Tasarımı</a:t>
+            </a:r>
           </a:p>
         </p:txBody>
       </p:sp>
@@ -3682,12 +3633,7 @@
             <p:ph type="title"/>
           </p:nvPr>
         </p:nvSpPr>
-        <p:spPr>
-          <a:xfrm>
-            <a:off x="231648" y="2143125"/>
-            <a:ext cx="3163824" cy="857250"/>
-          </a:xfrm>
-        </p:spPr>
+        <p:spPr/>
         <p:txBody>
           <a:bodyPr/>
           <a:lstStyle/>
@@ -3696,10 +3642,9 @@
               <a:buNone/>
             </a:pPr>
             <a:r>
-              <a:rPr b="1" dirty="0" err="1"/>
+              <a:rPr b="1"/>
               <a:t>Veritabanı</a:t>
             </a:r>
-            <a:endParaRPr b="1" dirty="0"/>
           </a:p>
         </p:txBody>
       </p:sp>
@@ -3740,8 +3685,8 @@
         </p:nvSpPr>
         <p:spPr>
           <a:xfrm>
-            <a:off x="335281" y="228147"/>
-            <a:ext cx="3008313" cy="3027117"/>
+            <a:off x="359665" y="27814"/>
+            <a:ext cx="3008313" cy="3518297"/>
           </a:xfrm>
         </p:spPr>
         <p:txBody>
@@ -3782,7 +3727,15 @@
             </a:r>
             <a:r>
               <a:rPr sz="1400" dirty="0"/>
-              <a:t> 1-) </a:t>
+              <a:t> </a:t>
+            </a:r>
+            <a:endParaRPr lang="tr-TR" sz="1400" dirty="0"/>
+          </a:p>
+          <a:p>
+            <a:pPr lvl="0"/>
+            <a:r>
+              <a:rPr sz="1400" dirty="0"/>
+              <a:t>1-) </a:t>
             </a:r>
             <a:r>
               <a:rPr sz="1400" dirty="0" err="1"/>
@@ -3814,7 +3767,15 @@
             </a:r>
             <a:r>
               <a:rPr sz="1400" dirty="0"/>
-              <a:t>. 2-) </a:t>
+              <a:t>.</a:t>
+            </a:r>
+            <a:endParaRPr lang="tr-TR" sz="1400" dirty="0"/>
+          </a:p>
+          <a:p>
+            <a:pPr lvl="0"/>
+            <a:r>
+              <a:rPr sz="1400" dirty="0"/>
+              <a:t> 2-) </a:t>
             </a:r>
             <a:r>
               <a:rPr sz="1400" dirty="0" err="1"/>
@@ -3854,7 +3815,15 @@
             </a:r>
             <a:r>
               <a:rPr sz="1400" dirty="0"/>
-              <a:t>. 3-) </a:t>
+              <a:t>. </a:t>
+            </a:r>
+            <a:endParaRPr lang="tr-TR" sz="1400" dirty="0"/>
+          </a:p>
+          <a:p>
+            <a:pPr lvl="0"/>
+            <a:r>
+              <a:rPr sz="1400" dirty="0"/>
+              <a:t>3-) </a:t>
             </a:r>
             <a:r>
               <a:rPr sz="1400" dirty="0" err="1"/>
@@ -4046,7 +4015,7 @@
             </a:r>
             <a:r>
               <a:rPr sz="1400" dirty="0"/>
-              <a:t>. </a:t>
+              <a:t>. —</a:t>
             </a:r>
           </a:p>
           <a:p>
@@ -4271,7 +4240,7 @@
             <a:pPr marL="0" lvl="0" indent="0" algn="ctr">
               <a:buNone/>
             </a:pPr>
-            <a:endParaRPr dirty="0"/>
+            <a:endParaRPr lang="tr-TR" dirty="0" err="1"/>
           </a:p>
         </p:txBody>
       </p:sp>
@@ -4324,137 +4293,133 @@
               <a:buNone/>
             </a:pPr>
             <a:r>
-              <a:rPr sz="2000" b="1" dirty="0"/>
+              <a:rPr sz="2400" b="1" dirty="0"/>
               <a:t>VTYS</a:t>
             </a:r>
           </a:p>
           <a:p>
             <a:pPr lvl="0"/>
-            <a:endParaRPr lang="tr-TR" sz="2000" b="1" dirty="0"/>
-          </a:p>
-          <a:p>
-            <a:pPr lvl="0"/>
-            <a:r>
-              <a:rPr sz="2000" b="1" dirty="0" err="1"/>
+            <a:r>
+              <a:rPr sz="2400" b="1" dirty="0" err="1"/>
               <a:t>VTYS’ler</a:t>
             </a:r>
             <a:r>
-              <a:rPr sz="2000" b="1" dirty="0"/>
-              <a:t> </a:t>
-            </a:r>
-            <a:r>
-              <a:rPr sz="2000" b="1" dirty="0" err="1"/>
+              <a:rPr sz="2400" b="1" dirty="0"/>
+              <a:t> </a:t>
+            </a:r>
+            <a:r>
+              <a:rPr sz="2400" b="1" dirty="0" err="1"/>
               <a:t>aşağıdaki</a:t>
             </a:r>
             <a:r>
-              <a:rPr sz="2000" b="1" dirty="0"/>
-              <a:t> </a:t>
-            </a:r>
-            <a:r>
-              <a:rPr sz="2000" b="1" dirty="0" err="1"/>
+              <a:rPr sz="2400" b="1" dirty="0"/>
+              <a:t> </a:t>
+            </a:r>
+            <a:r>
+              <a:rPr sz="2400" b="1" dirty="0" err="1"/>
               <a:t>bilgileri</a:t>
             </a:r>
             <a:r>
-              <a:rPr sz="2000" b="1" dirty="0"/>
-              <a:t> </a:t>
-            </a:r>
-            <a:r>
-              <a:rPr sz="2000" b="1" dirty="0" err="1"/>
+              <a:rPr sz="2400" b="1" dirty="0"/>
+              <a:t> </a:t>
+            </a:r>
+            <a:r>
+              <a:rPr sz="2400" b="1" dirty="0" err="1"/>
               <a:t>barındırmaktadır</a:t>
             </a:r>
             <a:r>
-              <a:rPr sz="2000" b="1" dirty="0"/>
+              <a:rPr sz="2400" b="1" dirty="0"/>
               <a:t>;</a:t>
             </a:r>
-            <a:endParaRPr lang="tr-TR" sz="2000" b="1" dirty="0"/>
-          </a:p>
-          <a:p>
-            <a:pPr lvl="0"/>
-            <a:r>
-              <a:rPr sz="2000" dirty="0" err="1"/>
+            <a:r>
+              <a:rPr sz="2400" dirty="0"/>
+              <a:t> </a:t>
+            </a:r>
+            <a:r>
+              <a:rPr sz="2400" dirty="0" err="1"/>
               <a:t>İlişkili</a:t>
             </a:r>
             <a:r>
-              <a:rPr sz="2000" dirty="0"/>
-              <a:t> </a:t>
-            </a:r>
-            <a:r>
-              <a:rPr sz="2000" dirty="0" err="1"/>
+              <a:rPr sz="2400" dirty="0"/>
+              <a:t> </a:t>
+            </a:r>
+            <a:r>
+              <a:rPr sz="2400" dirty="0" err="1"/>
               <a:t>olan</a:t>
             </a:r>
             <a:r>
-              <a:rPr sz="2000" dirty="0"/>
-              <a:t> </a:t>
-            </a:r>
-            <a:r>
-              <a:rPr sz="2000" dirty="0" err="1"/>
+              <a:rPr sz="2400" dirty="0"/>
+              <a:t> </a:t>
+            </a:r>
+            <a:r>
+              <a:rPr sz="2400" dirty="0" err="1"/>
               <a:t>veriler</a:t>
             </a:r>
             <a:r>
-              <a:rPr sz="2000" dirty="0"/>
-              <a:t> </a:t>
-            </a:r>
-            <a:r>
-              <a:rPr sz="2000" dirty="0" err="1"/>
+              <a:rPr sz="2400" dirty="0"/>
+              <a:t> </a:t>
+            </a:r>
+            <a:r>
+              <a:rPr sz="2400" dirty="0" err="1"/>
               <a:t>ve</a:t>
             </a:r>
             <a:r>
-              <a:rPr sz="2000" dirty="0"/>
-              <a:t> </a:t>
-            </a:r>
-            <a:r>
-              <a:rPr sz="2000" dirty="0" err="1"/>
+              <a:rPr sz="2400" dirty="0"/>
+              <a:t> </a:t>
+            </a:r>
+            <a:r>
+              <a:rPr sz="2400" dirty="0" err="1"/>
               <a:t>veriye</a:t>
             </a:r>
             <a:r>
-              <a:rPr sz="2000" dirty="0"/>
-              <a:t> </a:t>
-            </a:r>
-            <a:r>
-              <a:rPr sz="2000" dirty="0" err="1"/>
+              <a:rPr sz="2400" dirty="0"/>
+              <a:t> </a:t>
+            </a:r>
+            <a:r>
+              <a:rPr sz="2400" dirty="0" err="1"/>
               <a:t>ulaşmak</a:t>
             </a:r>
             <a:r>
-              <a:rPr sz="2000" dirty="0"/>
-              <a:t> </a:t>
-            </a:r>
-            <a:r>
-              <a:rPr sz="2000" dirty="0" err="1"/>
+              <a:rPr sz="2400" dirty="0"/>
+              <a:t> </a:t>
+            </a:r>
+            <a:r>
+              <a:rPr sz="2400" dirty="0" err="1"/>
               <a:t>için</a:t>
             </a:r>
             <a:r>
-              <a:rPr sz="2000" dirty="0"/>
-              <a:t> </a:t>
-            </a:r>
-            <a:r>
-              <a:rPr sz="2000" dirty="0" err="1"/>
+              <a:rPr sz="2400" dirty="0"/>
+              <a:t> </a:t>
+            </a:r>
+            <a:r>
+              <a:rPr sz="2400" dirty="0" err="1"/>
               <a:t>gerekli</a:t>
             </a:r>
             <a:r>
-              <a:rPr sz="2000" dirty="0"/>
-              <a:t> </a:t>
-            </a:r>
-            <a:r>
-              <a:rPr sz="2000" dirty="0" err="1"/>
+              <a:rPr sz="2400" dirty="0"/>
+              <a:t> </a:t>
+            </a:r>
+            <a:r>
+              <a:rPr sz="2400" dirty="0" err="1"/>
               <a:t>olan</a:t>
             </a:r>
             <a:r>
-              <a:rPr sz="2000" dirty="0"/>
-              <a:t> </a:t>
-            </a:r>
-            <a:r>
-              <a:rPr sz="2000" dirty="0" err="1"/>
+              <a:rPr sz="2400" dirty="0"/>
+              <a:t> </a:t>
+            </a:r>
+            <a:r>
+              <a:rPr sz="2400" dirty="0" err="1"/>
               <a:t>yazılımlar</a:t>
             </a:r>
             <a:r>
-              <a:rPr sz="2000" dirty="0"/>
-              <a:t> </a:t>
-            </a:r>
-            <a:r>
-              <a:rPr sz="2000" dirty="0" err="1"/>
+              <a:rPr sz="2400" dirty="0"/>
+              <a:t> </a:t>
+            </a:r>
+            <a:r>
+              <a:rPr sz="2400" dirty="0" err="1"/>
               <a:t>kümesi</a:t>
             </a:r>
-            <a:endParaRPr sz="2000" dirty="0"/>
+            <a:endParaRPr sz="2400" dirty="0"/>
           </a:p>
         </p:txBody>
       </p:sp>
@@ -4511,7 +4476,7 @@
             <a:pPr marL="0" lvl="0" indent="0" algn="ctr">
               <a:buNone/>
             </a:pPr>
-            <a:endParaRPr dirty="0"/>
+            <a:endParaRPr lang="tr-TR" dirty="0" err="1"/>
           </a:p>
         </p:txBody>
       </p:sp>

--- a/site/week-1/week-1.tr.md_word.pptx
+++ b/site/week-1/week-1.tr.md_word.pptx
@@ -1,6 +1,6 @@
 
 <file path=ppt/presentation.xml><?xml version="1.0" encoding="utf-8"?>
-<p:presentation xmlns:a="http://schemas.openxmlformats.org/drawingml/2006/main" xmlns:r="http://schemas.openxmlformats.org/officeDocument/2006/relationships" xmlns:p="http://schemas.openxmlformats.org/presentationml/2006/main" saveSubsetFonts="1" autoCompressPictures="0">
+<p:presentation xmlns:a="http://schemas.openxmlformats.org/drawingml/2006/main" xmlns:p="http://schemas.openxmlformats.org/presentationml/2006/main" xmlns:r="http://schemas.openxmlformats.org/officeDocument/2006/relationships" autoCompressPictures="0" saveSubsetFonts="1">
   <p:sldMasterIdLst>
     <p:sldMasterId id="2147483648" r:id="rId1"/>
   </p:sldMasterIdLst>
@@ -24,8 +24,8 @@
     <a:defPPr>
       <a:defRPr lang="en-US"/>
     </a:defPPr>
-    <a:lvl1pPr marL="0" algn="l" defTabSz="457200" rtl="0" eaLnBrk="1" latinLnBrk="0" hangingPunct="1">
-      <a:defRPr sz="1800" kern="1200">
+    <a:lvl1pPr algn="l" defTabSz="457200" eaLnBrk="1" hangingPunct="1" latinLnBrk="0" marL="0" rtl="0">
+      <a:defRPr kern="1200" sz="1800">
         <a:solidFill>
           <a:schemeClr val="tx1"/>
         </a:solidFill>
@@ -34,8 +34,8 @@
         <a:cs typeface="+mn-cs"/>
       </a:defRPr>
     </a:lvl1pPr>
-    <a:lvl2pPr marL="457200" algn="l" defTabSz="457200" rtl="0" eaLnBrk="1" latinLnBrk="0" hangingPunct="1">
-      <a:defRPr sz="1800" kern="1200">
+    <a:lvl2pPr algn="l" defTabSz="457200" eaLnBrk="1" hangingPunct="1" latinLnBrk="0" marL="457200" rtl="0">
+      <a:defRPr kern="1200" sz="1800">
         <a:solidFill>
           <a:schemeClr val="tx1"/>
         </a:solidFill>
@@ -44,8 +44,8 @@
         <a:cs typeface="+mn-cs"/>
       </a:defRPr>
     </a:lvl2pPr>
-    <a:lvl3pPr marL="914400" algn="l" defTabSz="457200" rtl="0" eaLnBrk="1" latinLnBrk="0" hangingPunct="1">
-      <a:defRPr sz="1800" kern="1200">
+    <a:lvl3pPr algn="l" defTabSz="457200" eaLnBrk="1" hangingPunct="1" latinLnBrk="0" marL="914400" rtl="0">
+      <a:defRPr kern="1200" sz="1800">
         <a:solidFill>
           <a:schemeClr val="tx1"/>
         </a:solidFill>
@@ -54,8 +54,8 @@
         <a:cs typeface="+mn-cs"/>
       </a:defRPr>
     </a:lvl3pPr>
-    <a:lvl4pPr marL="1371600" algn="l" defTabSz="457200" rtl="0" eaLnBrk="1" latinLnBrk="0" hangingPunct="1">
-      <a:defRPr sz="1800" kern="1200">
+    <a:lvl4pPr algn="l" defTabSz="457200" eaLnBrk="1" hangingPunct="1" latinLnBrk="0" marL="1371600" rtl="0">
+      <a:defRPr kern="1200" sz="1800">
         <a:solidFill>
           <a:schemeClr val="tx1"/>
         </a:solidFill>
@@ -64,8 +64,8 @@
         <a:cs typeface="+mn-cs"/>
       </a:defRPr>
     </a:lvl4pPr>
-    <a:lvl5pPr marL="1828800" algn="l" defTabSz="457200" rtl="0" eaLnBrk="1" latinLnBrk="0" hangingPunct="1">
-      <a:defRPr sz="1800" kern="1200">
+    <a:lvl5pPr algn="l" defTabSz="457200" eaLnBrk="1" hangingPunct="1" latinLnBrk="0" marL="1828800" rtl="0">
+      <a:defRPr kern="1200" sz="1800">
         <a:solidFill>
           <a:schemeClr val="tx1"/>
         </a:solidFill>
@@ -74,8 +74,8 @@
         <a:cs typeface="+mn-cs"/>
       </a:defRPr>
     </a:lvl5pPr>
-    <a:lvl6pPr marL="2286000" algn="l" defTabSz="457200" rtl="0" eaLnBrk="1" latinLnBrk="0" hangingPunct="1">
-      <a:defRPr sz="1800" kern="1200">
+    <a:lvl6pPr algn="l" defTabSz="457200" eaLnBrk="1" hangingPunct="1" latinLnBrk="0" marL="2286000" rtl="0">
+      <a:defRPr kern="1200" sz="1800">
         <a:solidFill>
           <a:schemeClr val="tx1"/>
         </a:solidFill>
@@ -84,8 +84,8 @@
         <a:cs typeface="+mn-cs"/>
       </a:defRPr>
     </a:lvl6pPr>
-    <a:lvl7pPr marL="2743200" algn="l" defTabSz="457200" rtl="0" eaLnBrk="1" latinLnBrk="0" hangingPunct="1">
-      <a:defRPr sz="1800" kern="1200">
+    <a:lvl7pPr algn="l" defTabSz="457200" eaLnBrk="1" hangingPunct="1" latinLnBrk="0" marL="2743200" rtl="0">
+      <a:defRPr kern="1200" sz="1800">
         <a:solidFill>
           <a:schemeClr val="tx1"/>
         </a:solidFill>
@@ -94,8 +94,8 @@
         <a:cs typeface="+mn-cs"/>
       </a:defRPr>
     </a:lvl7pPr>
-    <a:lvl8pPr marL="3200400" algn="l" defTabSz="457200" rtl="0" eaLnBrk="1" latinLnBrk="0" hangingPunct="1">
-      <a:defRPr sz="1800" kern="1200">
+    <a:lvl8pPr algn="l" defTabSz="457200" eaLnBrk="1" hangingPunct="1" latinLnBrk="0" marL="3200400" rtl="0">
+      <a:defRPr kern="1200" sz="1800">
         <a:solidFill>
           <a:schemeClr val="tx1"/>
         </a:solidFill>
@@ -104,8 +104,8 @@
         <a:cs typeface="+mn-cs"/>
       </a:defRPr>
     </a:lvl8pPr>
-    <a:lvl9pPr marL="3657600" algn="l" defTabSz="457200" rtl="0" eaLnBrk="1" latinLnBrk="0" hangingPunct="1">
-      <a:defRPr sz="1800" kern="1200">
+    <a:lvl9pPr algn="l" defTabSz="457200" eaLnBrk="1" hangingPunct="1" latinLnBrk="0" marL="3657600" rtl="0">
+      <a:defRPr kern="1200" sz="1800">
         <a:solidFill>
           <a:schemeClr val="tx1"/>
         </a:solidFill>
@@ -313,7 +313,7 @@
           <a:p>
             <a:fld id="{241EB5C9-1307-BA42-ABA2-0BC069CD8E7F}" type="datetimeFigureOut">
               <a:rPr lang="en-US" smtClean="0"/>
-              <a:t>10/18/2022</a:t>
+              <a:t>1/2/22</a:t>
             </a:fld>
             <a:endParaRPr lang="en-US"/>
           </a:p>
@@ -481,7 +481,7 @@
           <a:p>
             <a:fld id="{241EB5C9-1307-BA42-ABA2-0BC069CD8E7F}" type="datetimeFigureOut">
               <a:rPr lang="en-US" smtClean="0"/>
-              <a:t>10/18/2022</a:t>
+              <a:t>1/2/22</a:t>
             </a:fld>
             <a:endParaRPr lang="en-US"/>
           </a:p>
@@ -659,7 +659,7 @@
           <a:p>
             <a:fld id="{241EB5C9-1307-BA42-ABA2-0BC069CD8E7F}" type="datetimeFigureOut">
               <a:rPr lang="en-US" smtClean="0"/>
-              <a:t>10/18/2022</a:t>
+              <a:t>1/2/22</a:t>
             </a:fld>
             <a:endParaRPr lang="en-US"/>
           </a:p>
@@ -827,7 +827,7 @@
           <a:p>
             <a:fld id="{241EB5C9-1307-BA42-ABA2-0BC069CD8E7F}" type="datetimeFigureOut">
               <a:rPr lang="en-US" smtClean="0"/>
-              <a:t>10/18/2022</a:t>
+              <a:t>1/2/22</a:t>
             </a:fld>
             <a:endParaRPr lang="en-US"/>
           </a:p>
@@ -1072,7 +1072,7 @@
           <a:p>
             <a:fld id="{241EB5C9-1307-BA42-ABA2-0BC069CD8E7F}" type="datetimeFigureOut">
               <a:rPr lang="en-US" smtClean="0"/>
-              <a:t>10/18/2022</a:t>
+              <a:t>1/2/22</a:t>
             </a:fld>
             <a:endParaRPr lang="en-US"/>
           </a:p>
@@ -1357,7 +1357,7 @@
           <a:p>
             <a:fld id="{241EB5C9-1307-BA42-ABA2-0BC069CD8E7F}" type="datetimeFigureOut">
               <a:rPr lang="en-US" smtClean="0"/>
-              <a:t>10/18/2022</a:t>
+              <a:t>1/2/22</a:t>
             </a:fld>
             <a:endParaRPr lang="en-US"/>
           </a:p>
@@ -1776,7 +1776,7 @@
           <a:p>
             <a:fld id="{241EB5C9-1307-BA42-ABA2-0BC069CD8E7F}" type="datetimeFigureOut">
               <a:rPr lang="en-US" smtClean="0"/>
-              <a:t>10/18/2022</a:t>
+              <a:t>1/2/22</a:t>
             </a:fld>
             <a:endParaRPr lang="en-US"/>
           </a:p>
@@ -1893,7 +1893,7 @@
           <a:p>
             <a:fld id="{241EB5C9-1307-BA42-ABA2-0BC069CD8E7F}" type="datetimeFigureOut">
               <a:rPr lang="en-US" smtClean="0"/>
-              <a:t>10/18/2022</a:t>
+              <a:t>1/2/22</a:t>
             </a:fld>
             <a:endParaRPr lang="en-US"/>
           </a:p>
@@ -1988,7 +1988,7 @@
           <a:p>
             <a:fld id="{241EB5C9-1307-BA42-ABA2-0BC069CD8E7F}" type="datetimeFigureOut">
               <a:rPr lang="en-US" smtClean="0"/>
-              <a:t>10/18/2022</a:t>
+              <a:t>1/2/22</a:t>
             </a:fld>
             <a:endParaRPr lang="en-US"/>
           </a:p>
@@ -2263,7 +2263,7 @@
           <a:p>
             <a:fld id="{241EB5C9-1307-BA42-ABA2-0BC069CD8E7F}" type="datetimeFigureOut">
               <a:rPr lang="en-US" smtClean="0"/>
-              <a:t>10/18/2022</a:t>
+              <a:t>1/2/22</a:t>
             </a:fld>
             <a:endParaRPr lang="en-US"/>
           </a:p>
@@ -2515,7 +2515,7 @@
           <a:p>
             <a:fld id="{241EB5C9-1307-BA42-ABA2-0BC069CD8E7F}" type="datetimeFigureOut">
               <a:rPr lang="en-US" smtClean="0"/>
-              <a:t>10/18/2022</a:t>
+              <a:t>1/2/22</a:t>
             </a:fld>
             <a:endParaRPr lang="en-US"/>
           </a:p>
@@ -2577,7 +2577,7 @@
 </file>
 
 <file path=ppt/slideMasters/slideMaster1.xml><?xml version="1.0" encoding="utf-8"?>
-<p:sldMaster xmlns:a="http://schemas.openxmlformats.org/drawingml/2006/main" xmlns:r="http://schemas.openxmlformats.org/officeDocument/2006/relationships" xmlns:p="http://schemas.openxmlformats.org/presentationml/2006/main">
+<p:sldMaster xmlns:a="http://schemas.openxmlformats.org/drawingml/2006/main" xmlns:p="http://schemas.openxmlformats.org/presentationml/2006/main" xmlns:r="http://schemas.openxmlformats.org/officeDocument/2006/relationships">
   <p:cSld>
     <p:bg>
       <p:bgRef idx="1001">
@@ -2618,7 +2618,7 @@
           </a:prstGeom>
         </p:spPr>
         <p:txBody>
-          <a:bodyPr vert="horz" lIns="91440" tIns="45720" rIns="91440" bIns="45720" rtlCol="0" anchor="ctr">
+          <a:bodyPr anchor="ctr" bIns="45720" lIns="91440" rIns="91440" rtlCol="0" tIns="45720" vert="horz">
             <a:normAutofit/>
           </a:bodyPr>
           <a:lstStyle/>
@@ -2637,7 +2637,7 @@
             <a:spLocks noGrp="1"/>
           </p:cNvSpPr>
           <p:nvPr>
-            <p:ph type="body" idx="1"/>
+            <p:ph idx="1" type="body"/>
           </p:nvPr>
         </p:nvSpPr>
         <p:spPr>
@@ -2650,7 +2650,7 @@
           </a:prstGeom>
         </p:spPr>
         <p:txBody>
-          <a:bodyPr vert="horz" lIns="91440" tIns="45720" rIns="91440" bIns="45720" rtlCol="0">
+          <a:bodyPr bIns="45720" lIns="91440" rIns="91440" rtlCol="0" tIns="45720" vert="horz">
             <a:normAutofit/>
           </a:bodyPr>
           <a:lstStyle/>
@@ -2698,7 +2698,7 @@
             <a:spLocks noGrp="1"/>
           </p:cNvSpPr>
           <p:nvPr>
-            <p:ph type="dt" sz="half" idx="2"/>
+            <p:ph idx="2" sz="half" type="dt"/>
           </p:nvPr>
         </p:nvSpPr>
         <p:spPr>
@@ -2711,7 +2711,7 @@
           </a:prstGeom>
         </p:spPr>
         <p:txBody>
-          <a:bodyPr vert="horz" lIns="91440" tIns="45720" rIns="91440" bIns="45720" rtlCol="0" anchor="ctr"/>
+          <a:bodyPr anchor="ctr" bIns="45720" lIns="91440" rIns="91440" rtlCol="0" tIns="45720" vert="horz"/>
           <a:lstStyle>
             <a:lvl1pPr algn="l">
               <a:defRPr sz="900">
@@ -2726,7 +2726,7 @@
           <a:p>
             <a:fld id="{241EB5C9-1307-BA42-ABA2-0BC069CD8E7F}" type="datetimeFigureOut">
               <a:rPr lang="en-US" smtClean="0"/>
-              <a:t>10/18/2022</a:t>
+              <a:t>1/2/22</a:t>
             </a:fld>
             <a:endParaRPr lang="en-US"/>
           </a:p>
@@ -2739,7 +2739,7 @@
             <a:spLocks noGrp="1"/>
           </p:cNvSpPr>
           <p:nvPr>
-            <p:ph type="ftr" sz="quarter" idx="3"/>
+            <p:ph idx="3" sz="quarter" type="ftr"/>
           </p:nvPr>
         </p:nvSpPr>
         <p:spPr>
@@ -2752,7 +2752,7 @@
           </a:prstGeom>
         </p:spPr>
         <p:txBody>
-          <a:bodyPr vert="horz" lIns="91440" tIns="45720" rIns="91440" bIns="45720" rtlCol="0" anchor="ctr"/>
+          <a:bodyPr anchor="ctr" bIns="45720" lIns="91440" rIns="91440" rtlCol="0" tIns="45720" vert="horz"/>
           <a:lstStyle>
             <a:lvl1pPr algn="ctr">
               <a:defRPr sz="900">
@@ -2776,7 +2776,7 @@
             <a:spLocks noGrp="1"/>
           </p:cNvSpPr>
           <p:nvPr>
-            <p:ph type="sldNum" sz="quarter" idx="4"/>
+            <p:ph idx="4" sz="quarter" type="sldNum"/>
           </p:nvPr>
         </p:nvSpPr>
         <p:spPr>
@@ -2789,7 +2789,7 @@
           </a:prstGeom>
         </p:spPr>
         <p:txBody>
-          <a:bodyPr vert="horz" lIns="91440" tIns="45720" rIns="91440" bIns="45720" rtlCol="0" anchor="ctr"/>
+          <a:bodyPr anchor="ctr" bIns="45720" lIns="91440" rIns="91440" rtlCol="0" tIns="45720" vert="horz"/>
           <a:lstStyle>
             <a:lvl1pPr algn="r">
               <a:defRPr sz="900">
@@ -2817,7 +2817,7 @@
       </p:ext>
     </p:extLst>
   </p:cSld>
-  <p:clrMap bg1="lt1" tx1="dk1" bg2="lt2" tx2="dk2" accent1="accent1" accent2="accent2" accent3="accent3" accent4="accent4" accent5="accent5" accent6="accent6" hlink="hlink" folHlink="folHlink"/>
+  <p:clrMap accent1="accent1" accent2="accent2" accent3="accent3" accent4="accent4" accent5="accent5" accent6="accent6" bg1="lt1" bg2="lt2" folHlink="folHlink" hlink="hlink" tx1="dk1" tx2="dk2"/>
   <p:sldLayoutIdLst>
     <p:sldLayoutId id="2147483649" r:id="rId1"/>
     <p:sldLayoutId id="2147483650" r:id="rId2"/>
@@ -2833,12 +2833,12 @@
   </p:sldLayoutIdLst>
   <p:txStyles>
     <p:titleStyle>
-      <a:lvl1pPr algn="ctr" defTabSz="342900" rtl="0" eaLnBrk="1" latinLnBrk="0" hangingPunct="1">
+      <a:lvl1pPr algn="ctr" defTabSz="342900" eaLnBrk="1" hangingPunct="1" latinLnBrk="0" rtl="0">
         <a:spcBef>
           <a:spcPct val="0"/>
         </a:spcBef>
         <a:buNone/>
-        <a:defRPr sz="3300" kern="1200">
+        <a:defRPr kern="1200" sz="3300">
           <a:solidFill>
             <a:schemeClr val="tx1"/>
           </a:solidFill>
@@ -2849,13 +2849,13 @@
       </a:lvl1pPr>
     </p:titleStyle>
     <p:bodyStyle>
-      <a:lvl1pPr marL="342900" indent="-342900" algn="l" defTabSz="342900" rtl="0" eaLnBrk="1" latinLnBrk="0" hangingPunct="1">
+      <a:lvl1pPr algn="l" defTabSz="342900" eaLnBrk="1" hangingPunct="1" indent="-342900" latinLnBrk="0" marL="342900" rtl="0">
         <a:spcBef>
           <a:spcPct val="20000"/>
         </a:spcBef>
         <a:buFont typeface="Arial"/>
         <a:buChar char="•"/>
-        <a:defRPr sz="2400" kern="1200">
+        <a:defRPr kern="1200" sz="2400">
           <a:solidFill>
             <a:schemeClr val="tx1"/>
           </a:solidFill>
@@ -2864,13 +2864,13 @@
           <a:cs typeface="+mn-cs"/>
         </a:defRPr>
       </a:lvl1pPr>
-      <a:lvl2pPr marL="685800" indent="-342900" algn="l" defTabSz="342900" rtl="0" eaLnBrk="1" latinLnBrk="0" hangingPunct="1">
+      <a:lvl2pPr algn="l" defTabSz="342900" eaLnBrk="1" hangingPunct="1" indent="-342900" latinLnBrk="0" marL="685800" rtl="0">
         <a:spcBef>
           <a:spcPct val="20000"/>
         </a:spcBef>
         <a:buFont typeface="Arial"/>
         <a:buChar char="–"/>
-        <a:defRPr sz="2100" kern="1200">
+        <a:defRPr kern="1200" sz="2100">
           <a:solidFill>
             <a:schemeClr val="tx1"/>
           </a:solidFill>
@@ -2879,13 +2879,13 @@
           <a:cs typeface="+mn-cs"/>
         </a:defRPr>
       </a:lvl2pPr>
-      <a:lvl3pPr marL="1028700" indent="-342900" algn="l" defTabSz="342900" rtl="0" eaLnBrk="1" latinLnBrk="0" hangingPunct="1">
+      <a:lvl3pPr algn="l" defTabSz="342900" eaLnBrk="1" hangingPunct="1" indent="-342900" latinLnBrk="0" marL="1028700" rtl="0">
         <a:spcBef>
           <a:spcPct val="20000"/>
         </a:spcBef>
         <a:buFont typeface="Arial"/>
         <a:buChar char="•"/>
-        <a:defRPr sz="1800" kern="1200">
+        <a:defRPr kern="1200" sz="1800">
           <a:solidFill>
             <a:schemeClr val="tx1"/>
           </a:solidFill>
@@ -2894,13 +2894,13 @@
           <a:cs typeface="+mn-cs"/>
         </a:defRPr>
       </a:lvl3pPr>
-      <a:lvl4pPr marL="1371600" indent="-342900" algn="l" defTabSz="342900" rtl="0" eaLnBrk="1" latinLnBrk="0" hangingPunct="1">
+      <a:lvl4pPr algn="l" defTabSz="342900" eaLnBrk="1" hangingPunct="1" indent="-342900" latinLnBrk="0" marL="1371600" rtl="0">
         <a:spcBef>
           <a:spcPct val="20000"/>
         </a:spcBef>
         <a:buFont typeface="Arial"/>
         <a:buChar char="–"/>
-        <a:defRPr sz="1500" kern="1200">
+        <a:defRPr kern="1200" sz="1500">
           <a:solidFill>
             <a:schemeClr val="tx1"/>
           </a:solidFill>
@@ -2909,13 +2909,13 @@
           <a:cs typeface="+mn-cs"/>
         </a:defRPr>
       </a:lvl4pPr>
-      <a:lvl5pPr marL="1714500" indent="-342900" algn="l" defTabSz="342900" rtl="0" eaLnBrk="1" latinLnBrk="0" hangingPunct="1">
+      <a:lvl5pPr algn="l" defTabSz="342900" eaLnBrk="1" hangingPunct="1" indent="-342900" latinLnBrk="0" marL="1714500" rtl="0">
         <a:spcBef>
           <a:spcPct val="20000"/>
         </a:spcBef>
         <a:buFont typeface="Arial"/>
         <a:buChar char="»"/>
-        <a:defRPr sz="1500" kern="1200">
+        <a:defRPr kern="1200" sz="1500">
           <a:solidFill>
             <a:schemeClr val="tx1"/>
           </a:solidFill>
@@ -2924,13 +2924,13 @@
           <a:cs typeface="+mn-cs"/>
         </a:defRPr>
       </a:lvl5pPr>
-      <a:lvl6pPr marL="2057400" indent="-342900" algn="l" defTabSz="342900" rtl="0" eaLnBrk="1" latinLnBrk="0" hangingPunct="1">
+      <a:lvl6pPr algn="l" defTabSz="342900" eaLnBrk="1" hangingPunct="1" indent="-342900" latinLnBrk="0" marL="2057400" rtl="0">
         <a:spcBef>
           <a:spcPct val="20000"/>
         </a:spcBef>
         <a:buFont typeface="Arial"/>
         <a:buChar char="•"/>
-        <a:defRPr sz="1500" kern="1200">
+        <a:defRPr kern="1200" sz="1500">
           <a:solidFill>
             <a:schemeClr val="tx1"/>
           </a:solidFill>
@@ -2939,13 +2939,13 @@
           <a:cs typeface="+mn-cs"/>
         </a:defRPr>
       </a:lvl6pPr>
-      <a:lvl7pPr marL="2400300" indent="-342900" algn="l" defTabSz="342900" rtl="0" eaLnBrk="1" latinLnBrk="0" hangingPunct="1">
+      <a:lvl7pPr algn="l" defTabSz="342900" eaLnBrk="1" hangingPunct="1" indent="-342900" latinLnBrk="0" marL="2400300" rtl="0">
         <a:spcBef>
           <a:spcPct val="20000"/>
         </a:spcBef>
         <a:buFont typeface="Arial"/>
         <a:buChar char="•"/>
-        <a:defRPr sz="1500" kern="1200">
+        <a:defRPr kern="1200" sz="1500">
           <a:solidFill>
             <a:schemeClr val="tx1"/>
           </a:solidFill>
@@ -2954,13 +2954,13 @@
           <a:cs typeface="+mn-cs"/>
         </a:defRPr>
       </a:lvl7pPr>
-      <a:lvl8pPr marL="2743200" indent="-342900" algn="l" defTabSz="342900" rtl="0" eaLnBrk="1" latinLnBrk="0" hangingPunct="1">
+      <a:lvl8pPr algn="l" defTabSz="342900" eaLnBrk="1" hangingPunct="1" indent="-342900" latinLnBrk="0" marL="2743200" rtl="0">
         <a:spcBef>
           <a:spcPct val="20000"/>
         </a:spcBef>
         <a:buFont typeface="Arial"/>
         <a:buChar char="•"/>
-        <a:defRPr sz="1500" kern="1200">
+        <a:defRPr kern="1200" sz="1500">
           <a:solidFill>
             <a:schemeClr val="tx1"/>
           </a:solidFill>
@@ -2969,13 +2969,13 @@
           <a:cs typeface="+mn-cs"/>
         </a:defRPr>
       </a:lvl8pPr>
-      <a:lvl9pPr marL="3086100" indent="-342900" algn="l" defTabSz="342900" rtl="0" eaLnBrk="1" latinLnBrk="0" hangingPunct="1">
+      <a:lvl9pPr algn="l" defTabSz="342900" eaLnBrk="1" hangingPunct="1" indent="-342900" latinLnBrk="0" marL="3086100" rtl="0">
         <a:spcBef>
           <a:spcPct val="20000"/>
         </a:spcBef>
         <a:buFont typeface="Arial"/>
         <a:buChar char="•"/>
-        <a:defRPr sz="1500" kern="1200">
+        <a:defRPr kern="1200" sz="1500">
           <a:solidFill>
             <a:schemeClr val="tx1"/>
           </a:solidFill>
@@ -2989,8 +2989,8 @@
       <a:defPPr>
         <a:defRPr lang="en-US"/>
       </a:defPPr>
-      <a:lvl1pPr marL="0" algn="l" defTabSz="342900" rtl="0" eaLnBrk="1" latinLnBrk="0" hangingPunct="1">
-        <a:defRPr sz="1350" kern="1200">
+      <a:lvl1pPr algn="l" defTabSz="342900" eaLnBrk="1" hangingPunct="1" latinLnBrk="0" marL="0" rtl="0">
+        <a:defRPr kern="1200" sz="1350">
           <a:solidFill>
             <a:schemeClr val="tx1"/>
           </a:solidFill>
@@ -2999,8 +2999,8 @@
           <a:cs typeface="+mn-cs"/>
         </a:defRPr>
       </a:lvl1pPr>
-      <a:lvl2pPr marL="342900" algn="l" defTabSz="342900" rtl="0" eaLnBrk="1" latinLnBrk="0" hangingPunct="1">
-        <a:defRPr sz="1350" kern="1200">
+      <a:lvl2pPr algn="l" defTabSz="342900" eaLnBrk="1" hangingPunct="1" latinLnBrk="0" marL="342900" rtl="0">
+        <a:defRPr kern="1200" sz="1350">
           <a:solidFill>
             <a:schemeClr val="tx1"/>
           </a:solidFill>
@@ -3009,8 +3009,8 @@
           <a:cs typeface="+mn-cs"/>
         </a:defRPr>
       </a:lvl2pPr>
-      <a:lvl3pPr marL="685800" algn="l" defTabSz="342900" rtl="0" eaLnBrk="1" latinLnBrk="0" hangingPunct="1">
-        <a:defRPr sz="1350" kern="1200">
+      <a:lvl3pPr algn="l" defTabSz="342900" eaLnBrk="1" hangingPunct="1" latinLnBrk="0" marL="685800" rtl="0">
+        <a:defRPr kern="1200" sz="1350">
           <a:solidFill>
             <a:schemeClr val="tx1"/>
           </a:solidFill>
@@ -3019,8 +3019,8 @@
           <a:cs typeface="+mn-cs"/>
         </a:defRPr>
       </a:lvl3pPr>
-      <a:lvl4pPr marL="1028700" algn="l" defTabSz="342900" rtl="0" eaLnBrk="1" latinLnBrk="0" hangingPunct="1">
-        <a:defRPr sz="1350" kern="1200">
+      <a:lvl4pPr algn="l" defTabSz="342900" eaLnBrk="1" hangingPunct="1" latinLnBrk="0" marL="1028700" rtl="0">
+        <a:defRPr kern="1200" sz="1350">
           <a:solidFill>
             <a:schemeClr val="tx1"/>
           </a:solidFill>
@@ -3029,8 +3029,8 @@
           <a:cs typeface="+mn-cs"/>
         </a:defRPr>
       </a:lvl4pPr>
-      <a:lvl5pPr marL="1371600" algn="l" defTabSz="342900" rtl="0" eaLnBrk="1" latinLnBrk="0" hangingPunct="1">
-        <a:defRPr sz="1350" kern="1200">
+      <a:lvl5pPr algn="l" defTabSz="342900" eaLnBrk="1" hangingPunct="1" latinLnBrk="0" marL="1371600" rtl="0">
+        <a:defRPr kern="1200" sz="1350">
           <a:solidFill>
             <a:schemeClr val="tx1"/>
           </a:solidFill>
@@ -3039,8 +3039,8 @@
           <a:cs typeface="+mn-cs"/>
         </a:defRPr>
       </a:lvl5pPr>
-      <a:lvl6pPr marL="1714500" algn="l" defTabSz="342900" rtl="0" eaLnBrk="1" latinLnBrk="0" hangingPunct="1">
-        <a:defRPr sz="1350" kern="1200">
+      <a:lvl6pPr algn="l" defTabSz="342900" eaLnBrk="1" hangingPunct="1" latinLnBrk="0" marL="1714500" rtl="0">
+        <a:defRPr kern="1200" sz="1350">
           <a:solidFill>
             <a:schemeClr val="tx1"/>
           </a:solidFill>
@@ -3049,8 +3049,8 @@
           <a:cs typeface="+mn-cs"/>
         </a:defRPr>
       </a:lvl6pPr>
-      <a:lvl7pPr marL="2057400" algn="l" defTabSz="342900" rtl="0" eaLnBrk="1" latinLnBrk="0" hangingPunct="1">
-        <a:defRPr sz="1350" kern="1200">
+      <a:lvl7pPr algn="l" defTabSz="342900" eaLnBrk="1" hangingPunct="1" latinLnBrk="0" marL="2057400" rtl="0">
+        <a:defRPr kern="1200" sz="1350">
           <a:solidFill>
             <a:schemeClr val="tx1"/>
           </a:solidFill>
@@ -3059,8 +3059,8 @@
           <a:cs typeface="+mn-cs"/>
         </a:defRPr>
       </a:lvl7pPr>
-      <a:lvl8pPr marL="2400300" algn="l" defTabSz="342900" rtl="0" eaLnBrk="1" latinLnBrk="0" hangingPunct="1">
-        <a:defRPr sz="1350" kern="1200">
+      <a:lvl8pPr algn="l" defTabSz="342900" eaLnBrk="1" hangingPunct="1" latinLnBrk="0" marL="2400300" rtl="0">
+        <a:defRPr kern="1200" sz="1350">
           <a:solidFill>
             <a:schemeClr val="tx1"/>
           </a:solidFill>
@@ -3069,8 +3069,8 @@
           <a:cs typeface="+mn-cs"/>
         </a:defRPr>
       </a:lvl8pPr>
-      <a:lvl9pPr marL="2743200" algn="l" defTabSz="342900" rtl="0" eaLnBrk="1" latinLnBrk="0" hangingPunct="1">
-        <a:defRPr sz="1350" kern="1200">
+      <a:lvl9pPr algn="l" defTabSz="342900" eaLnBrk="1" hangingPunct="1" latinLnBrk="0" marL="2743200" rtl="0">
+        <a:defRPr kern="1200" sz="1350">
           <a:solidFill>
             <a:schemeClr val="tx1"/>
           </a:solidFill>
@@ -3121,14 +3121,13 @@
           <a:bodyPr/>
           <a:lstStyle/>
           <a:p>
-            <a:pPr marL="0" lvl="0" indent="0">
+            <a:pPr lvl="0" indent="0" marL="0">
               <a:buNone/>
             </a:pPr>
             <a:r>
-              <a:rPr lang="en-GB" dirty="0"/>
-              <a:t>CE103 - Algorithms And Programming I</a:t>
-            </a:r>
-            <a:endParaRPr lang="tr-TR" dirty="0"/>
+              <a:rPr/>
+              <a:t>Örnek Ders Adı</a:t>
+            </a:r>
           </a:p>
         </p:txBody>
       </p:sp>
@@ -3139,7 +3138,7 @@
             <a:spLocks noGrp="1"/>
           </p:cNvSpPr>
           <p:nvPr>
-            <p:ph type="subTitle" idx="1"/>
+            <p:ph idx="1" type="subTitle"/>
           </p:nvPr>
         </p:nvSpPr>
         <p:spPr>
@@ -3152,15 +3151,17 @@
           <a:bodyPr/>
           <a:lstStyle/>
           <a:p>
-            <a:pPr marL="0" lvl="0" indent="0">
+            <a:pPr lvl="0" indent="0" marL="0">
               <a:buNone/>
             </a:pPr>
             <a:r>
+              <a:rPr/>
               <a:t>Örnek Ders Modülü Adı</a:t>
             </a:r>
             <a:br/>
             <a:br/>
             <a:r>
+              <a:rPr/>
               <a:t>Author: Dr. Öğr. Üyesi Uğur CORUH</a:t>
             </a:r>
           </a:p>
@@ -3173,26 +3174,26 @@
             <a:spLocks noGrp="1"/>
           </p:cNvSpPr>
           <p:nvPr>
-            <p:ph type="dt" sz="half" idx="10"/>
-          </p:nvPr>
-        </p:nvSpPr>
-        <p:spPr/>
-        <p:txBody>
-          <a:bodyPr/>
-          <a:lstStyle/>
-          <a:p>
-            <a:pPr marL="0" lvl="0" indent="0">
+            <p:ph idx="10" sz="half" type="dt"/>
+          </p:nvPr>
+        </p:nvSpPr>
+        <p:spPr/>
+        <p:txBody>
+          <a:bodyPr/>
+          <a:lstStyle/>
+          <a:p>
+            <a:pPr lvl="0" indent="0" marL="0">
               <a:buNone/>
             </a:pPr>
-            <a:endParaRPr/>
+            <a:r>
+              <a:rPr/>
+              <a:t/>
+            </a:r>
           </a:p>
         </p:txBody>
       </p:sp>
     </p:spTree>
   </p:cSld>
-  <p:clrMapOvr>
-    <a:masterClrMapping/>
-  </p:clrMapOvr>
 </p:sld>
 </file>
 
@@ -3228,7 +3229,7 @@
           <a:bodyPr/>
           <a:lstStyle/>
           <a:p>
-            <a:pPr marL="0" lvl="0" indent="0">
+            <a:pPr lvl="0" indent="0" marL="0">
               <a:spcBef>
                 <a:spcPts val="3000"/>
               </a:spcBef>
@@ -3240,10 +3241,11 @@
             </a:r>
           </a:p>
           <a:p>
-            <a:pPr marL="0" lvl="0" indent="0">
+            <a:pPr lvl="0" indent="0" marL="0">
               <a:buNone/>
             </a:pPr>
             <a:r>
+              <a:rPr/>
               <a:t>Varlıklar arasındaki bağlantıya ilişki adı verilir.örneğin “Burak” varlığı ile “Dersler” varlığı arasından ilişki vardır. İlişki kümesi, aynı türdeki ilişkilerin kümesidir,bu ilişki kümesi R ile gösterilir.</a:t>
             </a:r>
           </a:p>
@@ -3251,9 +3253,6 @@
       </p:sp>
     </p:spTree>
   </p:cSld>
-  <p:clrMapOvr>
-    <a:masterClrMapping/>
-  </p:clrMapOvr>
 </p:sld>
 </file>
 
@@ -3289,10 +3288,11 @@
           <a:bodyPr/>
           <a:lstStyle/>
           <a:p>
-            <a:pPr marL="0" lvl="0" indent="0">
+            <a:pPr lvl="0" indent="0" marL="0">
               <a:buNone/>
             </a:pPr>
             <a:r>
+              <a:rPr/>
               <a:t>Referanslar</a:t>
             </a:r>
           </a:p>
@@ -3315,24 +3315,28 @@
           <a:p>
             <a:pPr lvl="0"/>
             <a:r>
+              <a:rPr/>
               <a:t>https://avesis.erdogan.edu.tr/ugur.coruh</a:t>
             </a:r>
           </a:p>
           <a:p>
             <a:pPr lvl="0"/>
             <a:r>
+              <a:rPr/>
               <a:t>https://www.linkedin.com/in/ugurcoruh/</a:t>
             </a:r>
           </a:p>
           <a:p>
             <a:pPr lvl="0"/>
             <a:r>
+              <a:rPr/>
               <a:t>https://csworlds.com/what-is-dbms-database-management-system/</a:t>
             </a:r>
           </a:p>
           <a:p>
             <a:pPr lvl="0"/>
             <a:r>
+              <a:rPr/>
               <a:t>https://prepinsta.com/dbms/entity-relationship-model-er-model/</a:t>
             </a:r>
           </a:p>
@@ -3340,9 +3344,6 @@
       </p:sp>
     </p:spTree>
   </p:cSld>
-  <p:clrMapOvr>
-    <a:masterClrMapping/>
-  </p:clrMapOvr>
 </p:sld>
 </file>
 
@@ -3363,60 +3364,76 @@
           <a:chExt cx="0" cy="0"/>
         </a:xfrm>
       </p:grpSpPr>
-      <p:sp>
-        <p:nvSpPr>
-          <p:cNvPr id="3" name="Content Placeholder 2"/>
-          <p:cNvSpPr>
-            <a:spLocks noGrp="1"/>
-          </p:cNvSpPr>
-          <p:nvPr>
-            <p:ph idx="1"/>
-          </p:nvPr>
-        </p:nvSpPr>
-        <p:spPr/>
-        <p:txBody>
-          <a:bodyPr/>
-          <a:lstStyle/>
-          <a:p>
-            <a:pPr marL="0" lvl="0" indent="0">
-              <a:buNone/>
-            </a:pPr>
-            <a14:m xmlns:a14="http://schemas.microsoft.com/office/drawing/2010/main">
-              <m:oMathPara xmlns:m="http://schemas.openxmlformats.org/officeDocument/2006/math">
-                <m:oMathParaPr>
-                  <m:jc m:val="centerGroup"/>
-                </m:oMathParaPr>
-                <m:oMath xmlns:m="http://schemas.openxmlformats.org/officeDocument/2006/math">
-                  <m:r>
-                    <a:rPr>
-                      <a:latin typeface="Cambria Math" panose="02040503050406030204" pitchFamily="18" charset="0"/>
-                    </a:rPr>
-                    <m:t>𝐻𝑎𝑓𝑡𝑎</m:t>
-                  </m:r>
-                  <m:r>
-                    <a:rPr>
-                      <a:latin typeface="Cambria Math" panose="02040503050406030204" pitchFamily="18" charset="0"/>
-                    </a:rPr>
-                    <m:t>−2−</m:t>
-                  </m:r>
-                  <m:r>
-                    <a:rPr>
-                      <a:latin typeface="Cambria Math" panose="02040503050406030204" pitchFamily="18" charset="0"/>
-                    </a:rPr>
-                    <m:t>𝑆𝑜𝑛</m:t>
-                  </m:r>
-                </m:oMath>
-              </m:oMathPara>
-            </a14:m>
-            <a:endParaRPr/>
-          </a:p>
-        </p:txBody>
-      </p:sp>
+      <mc:AlternateContent xmlns:mc="http://schemas.openxmlformats.org/markup-compatibility/2006">
+        <mc:Choice xmlns:a14="http://schemas.microsoft.com/office/drawing/2010/main" Requires="a14">
+          <p:sp>
+            <p:nvSpPr>
+              <p:cNvPr id="3" name="Content Placeholder 2"/>
+              <p:cNvSpPr>
+                <a:spLocks noGrp="1"/>
+              </p:cNvSpPr>
+              <p:nvPr>
+                <p:ph idx="1"/>
+              </p:nvPr>
+            </p:nvSpPr>
+            <p:spPr/>
+            <p:txBody>
+              <a:bodyPr/>
+              <a:lstStyle/>
+              <a:p>
+                <a:pPr lvl="0" indent="0" marL="0">
+                  <a:buNone/>
+                </a:pPr>
+                <a14:m>
+                  <m:oMath xmlns:m="http://schemas.openxmlformats.org/officeDocument/2006/math">
+                    <m:r>
+                      <m:t>H</m:t>
+                    </m:r>
+                    <m:r>
+                      <m:t>a</m:t>
+                    </m:r>
+                    <m:r>
+                      <m:t>f</m:t>
+                    </m:r>
+                    <m:r>
+                      <m:t>t</m:t>
+                    </m:r>
+                    <m:r>
+                      <m:t>a</m:t>
+                    </m:r>
+                    <m:r>
+                      <m:rPr>
+                        <m:sty m:val="p"/>
+                      </m:rPr>
+                      <m:t>−</m:t>
+                    </m:r>
+                    <m:r>
+                      <m:t>2</m:t>
+                    </m:r>
+                    <m:r>
+                      <m:rPr>
+                        <m:sty m:val="p"/>
+                      </m:rPr>
+                      <m:t>−</m:t>
+                    </m:r>
+                    <m:r>
+                      <m:t>S</m:t>
+                    </m:r>
+                    <m:r>
+                      <m:t>o</m:t>
+                    </m:r>
+                    <m:r>
+                      <m:t>n</m:t>
+                    </m:r>
+                  </m:oMath>
+                </a14:m>
+              </a:p>
+            </p:txBody>
+          </p:sp>
+        </mc:Choice>
+      </mc:AlternateContent>
     </p:spTree>
   </p:cSld>
-  <p:clrMapOvr>
-    <a:masterClrMapping/>
-  </p:clrMapOvr>
 </p:sld>
 </file>
 
@@ -3452,10 +3469,11 @@
           <a:bodyPr/>
           <a:lstStyle/>
           <a:p>
-            <a:pPr marL="0" lvl="0" indent="0">
+            <a:pPr lvl="0" indent="0" marL="0">
               <a:buNone/>
             </a:pPr>
             <a:r>
+              <a:rPr/>
               <a:t>CE103 Algoritma ve Programlama I</a:t>
             </a:r>
           </a:p>
@@ -3476,7 +3494,7 @@
           <a:bodyPr/>
           <a:lstStyle/>
           <a:p>
-            <a:pPr marL="0" lvl="0" indent="0">
+            <a:pPr lvl="0" indent="0" marL="0">
               <a:spcBef>
                 <a:spcPts val="3000"/>
               </a:spcBef>
@@ -3488,7 +3506,7 @@
             </a:r>
           </a:p>
           <a:p>
-            <a:pPr marL="0" lvl="0" indent="0">
+            <a:pPr lvl="0" indent="0" marL="0">
               <a:spcBef>
                 <a:spcPts val="3000"/>
               </a:spcBef>
@@ -3500,10 +3518,11 @@
             </a:r>
           </a:p>
           <a:p>
-            <a:pPr marL="0" lvl="0" indent="0">
+            <a:pPr lvl="0" indent="0" marL="0">
               <a:buNone/>
             </a:pPr>
             <a:r>
+              <a:rPr/>
               <a:t>İndir </a:t>
             </a:r>
             <a:r>
@@ -3513,6 +3532,7 @@
               <a:t>DOC</a:t>
             </a:r>
             <a:r>
+              <a:rPr/>
               <a:t>, </a:t>
             </a:r>
             <a:r>
@@ -3522,6 +3542,7 @@
               <a:t>SLIDE</a:t>
             </a:r>
             <a:r>
+              <a:rPr/>
               <a:t>, </a:t>
             </a:r>
             <a:r>
@@ -3535,9 +3556,6 @@
       </p:sp>
     </p:spTree>
   </p:cSld>
-  <p:clrMapOvr>
-    <a:masterClrMapping/>
-  </p:clrMapOvr>
 </p:sld>
 </file>
 
@@ -3573,7 +3591,7 @@
           <a:bodyPr/>
           <a:lstStyle/>
           <a:p>
-            <a:pPr marL="0" lvl="0" indent="0">
+            <a:pPr lvl="0" indent="0" marL="0">
               <a:spcBef>
                 <a:spcPts val="3000"/>
               </a:spcBef>
@@ -3587,12 +3605,14 @@
           <a:p>
             <a:pPr lvl="0"/>
             <a:r>
+              <a:rPr/>
               <a:t>Veritabanı ve İlişkisel Veritabanı Anlamak</a:t>
             </a:r>
           </a:p>
           <a:p>
             <a:pPr lvl="0"/>
             <a:r>
+              <a:rPr/>
               <a:t>Veritabanı Tasarımı</a:t>
             </a:r>
           </a:p>
@@ -3600,9 +3620,6 @@
       </p:sp>
     </p:spTree>
   </p:cSld>
-  <p:clrMapOvr>
-    <a:masterClrMapping/>
-  </p:clrMapOvr>
 </p:sld>
 </file>
 
@@ -3638,7 +3655,7 @@
           <a:bodyPr/>
           <a:lstStyle/>
           <a:p>
-            <a:pPr marL="0" lvl="0" indent="0">
+            <a:pPr lvl="0" indent="0" marL="0">
               <a:buNone/>
             </a:pPr>
             <a:r>
@@ -3650,9 +3667,6 @@
       </p:sp>
     </p:spTree>
   </p:cSld>
-  <p:clrMapOvr>
-    <a:masterClrMapping/>
-  </p:clrMapOvr>
 </p:sld>
 </file>
 
@@ -3680,516 +3694,64 @@
             <a:spLocks noGrp="1"/>
           </p:cNvSpPr>
           <p:nvPr>
-            <p:ph type="body" sz="half" idx="2"/>
-          </p:nvPr>
-        </p:nvSpPr>
-        <p:spPr>
-          <a:xfrm>
-            <a:off x="359665" y="27814"/>
-            <a:ext cx="3008313" cy="3518297"/>
-          </a:xfrm>
-        </p:spPr>
-        <p:txBody>
-          <a:bodyPr>
-            <a:noAutofit/>
-          </a:bodyPr>
-          <a:lstStyle/>
-          <a:p>
-            <a:pPr marL="0" lvl="0" indent="0">
+            <p:ph idx="2" sz="half" type="body"/>
+          </p:nvPr>
+        </p:nvSpPr>
+        <p:spPr/>
+        <p:txBody>
+          <a:bodyPr/>
+          <a:lstStyle/>
+          <a:p>
+            <a:pPr lvl="0" indent="0" marL="0">
               <a:spcBef>
                 <a:spcPts val="3000"/>
               </a:spcBef>
               <a:buNone/>
             </a:pPr>
             <a:r>
-              <a:rPr sz="1400" b="1" dirty="0" err="1"/>
+              <a:rPr b="1"/>
               <a:t>Veritabanı</a:t>
             </a:r>
-            <a:endParaRPr sz="1400" b="1" dirty="0"/>
           </a:p>
           <a:p>
             <a:pPr lvl="0"/>
             <a:r>
-              <a:rPr sz="1400" b="1" dirty="0" err="1"/>
-              <a:t>Veritabanı</a:t>
-            </a:r>
-            <a:r>
-              <a:rPr sz="1400" b="1" dirty="0"/>
-              <a:t> </a:t>
-            </a:r>
-            <a:r>
-              <a:rPr sz="1400" b="1" dirty="0" err="1"/>
-              <a:t>nedir</a:t>
-            </a:r>
-            <a:r>
-              <a:rPr sz="1400" b="1" dirty="0"/>
-              <a:t>?</a:t>
-            </a:r>
-            <a:r>
-              <a:rPr sz="1400" dirty="0"/>
-              <a:t> </a:t>
-            </a:r>
-            <a:endParaRPr lang="tr-TR" sz="1400" dirty="0"/>
-          </a:p>
-          <a:p>
-            <a:pPr lvl="0"/>
-            <a:r>
-              <a:rPr sz="1400" dirty="0"/>
-              <a:t>1-) </a:t>
-            </a:r>
-            <a:r>
-              <a:rPr sz="1400" dirty="0" err="1"/>
-              <a:t>Veritabanı</a:t>
-            </a:r>
-            <a:r>
-              <a:rPr sz="1400" dirty="0"/>
-              <a:t> </a:t>
-            </a:r>
-            <a:r>
-              <a:rPr sz="1400" dirty="0" err="1"/>
-              <a:t>düzenli</a:t>
-            </a:r>
-            <a:r>
-              <a:rPr sz="1400" dirty="0"/>
-              <a:t> </a:t>
-            </a:r>
-            <a:r>
-              <a:rPr sz="1400" dirty="0" err="1"/>
-              <a:t>bilgiler</a:t>
-            </a:r>
-            <a:r>
-              <a:rPr sz="1400" dirty="0"/>
-              <a:t> </a:t>
-            </a:r>
-            <a:r>
-              <a:rPr sz="1400" dirty="0" err="1"/>
-              <a:t>topluluğudur</a:t>
-            </a:r>
-            <a:r>
-              <a:rPr sz="1400" dirty="0"/>
-              <a:t>.</a:t>
-            </a:r>
-            <a:endParaRPr lang="tr-TR" sz="1400" dirty="0"/>
-          </a:p>
-          <a:p>
-            <a:pPr lvl="0"/>
-            <a:r>
-              <a:rPr sz="1400" dirty="0"/>
-              <a:t> 2-) </a:t>
-            </a:r>
-            <a:r>
-              <a:rPr sz="1400" dirty="0" err="1"/>
-              <a:t>Bilgisayar</a:t>
-            </a:r>
-            <a:r>
-              <a:rPr sz="1400" dirty="0"/>
-              <a:t> </a:t>
-            </a:r>
-            <a:r>
-              <a:rPr sz="1400" dirty="0" err="1"/>
-              <a:t>ortamında</a:t>
-            </a:r>
-            <a:r>
-              <a:rPr sz="1400" dirty="0"/>
-              <a:t> </a:t>
-            </a:r>
-            <a:r>
-              <a:rPr sz="1400" dirty="0" err="1"/>
-              <a:t>saklanan</a:t>
-            </a:r>
-            <a:r>
-              <a:rPr sz="1400" dirty="0"/>
-              <a:t> </a:t>
-            </a:r>
-            <a:r>
-              <a:rPr sz="1400" dirty="0" err="1"/>
-              <a:t>düzenli</a:t>
-            </a:r>
-            <a:r>
-              <a:rPr sz="1400" dirty="0"/>
-              <a:t> </a:t>
-            </a:r>
-            <a:r>
-              <a:rPr sz="1400" dirty="0" err="1"/>
-              <a:t>verilerdir</a:t>
-            </a:r>
-            <a:r>
-              <a:rPr sz="1400" dirty="0"/>
-              <a:t>. </a:t>
-            </a:r>
-            <a:endParaRPr lang="tr-TR" sz="1400" dirty="0"/>
-          </a:p>
-          <a:p>
-            <a:pPr lvl="0"/>
-            <a:r>
-              <a:rPr sz="1400" dirty="0"/>
-              <a:t>3-) </a:t>
-            </a:r>
-            <a:r>
-              <a:rPr sz="1400" dirty="0" err="1"/>
-              <a:t>Bilgisayar</a:t>
-            </a:r>
-            <a:r>
-              <a:rPr sz="1400" dirty="0"/>
-              <a:t> </a:t>
-            </a:r>
-            <a:r>
-              <a:rPr sz="1400" dirty="0" err="1"/>
-              <a:t>terminolojisinde</a:t>
-            </a:r>
-            <a:r>
-              <a:rPr sz="1400" dirty="0"/>
-              <a:t>, </a:t>
-            </a:r>
-            <a:r>
-              <a:rPr sz="1400" dirty="0" err="1"/>
-              <a:t>sistematik</a:t>
-            </a:r>
-            <a:r>
-              <a:rPr sz="1400" dirty="0"/>
-              <a:t> </a:t>
-            </a:r>
-            <a:r>
-              <a:rPr sz="1400" dirty="0" err="1"/>
-              <a:t>erişim</a:t>
-            </a:r>
-            <a:r>
-              <a:rPr sz="1400" dirty="0"/>
-              <a:t> </a:t>
-            </a:r>
-            <a:r>
-              <a:rPr sz="1400" dirty="0" err="1"/>
-              <a:t>imkanı</a:t>
-            </a:r>
-            <a:r>
-              <a:rPr sz="1400" dirty="0"/>
-              <a:t> </a:t>
-            </a:r>
-            <a:r>
-              <a:rPr sz="1400" dirty="0" err="1"/>
-              <a:t>olan</a:t>
-            </a:r>
-            <a:r>
-              <a:rPr sz="1400" dirty="0"/>
-              <a:t>, </a:t>
-            </a:r>
-            <a:r>
-              <a:rPr sz="1400" dirty="0" err="1"/>
-              <a:t>yönetilebilir</a:t>
-            </a:r>
-            <a:r>
-              <a:rPr sz="1400" dirty="0"/>
-              <a:t>, </a:t>
-            </a:r>
-            <a:r>
-              <a:rPr sz="1400" dirty="0" err="1"/>
-              <a:t>güncellenebilir</a:t>
-            </a:r>
-            <a:r>
-              <a:rPr sz="1400" dirty="0"/>
-              <a:t> , </a:t>
-            </a:r>
-            <a:r>
-              <a:rPr sz="1400" dirty="0" err="1"/>
-              <a:t>taşınabilir</a:t>
-            </a:r>
-            <a:r>
-              <a:rPr sz="1400" dirty="0"/>
-              <a:t>, </a:t>
-            </a:r>
-            <a:r>
-              <a:rPr sz="1400" dirty="0" err="1"/>
-              <a:t>birbirleri</a:t>
-            </a:r>
-            <a:r>
-              <a:rPr sz="1400" dirty="0"/>
-              <a:t> </a:t>
-            </a:r>
-            <a:r>
-              <a:rPr sz="1400" dirty="0" err="1"/>
-              <a:t>arasında</a:t>
-            </a:r>
-            <a:r>
-              <a:rPr sz="1400" dirty="0"/>
-              <a:t> </a:t>
-            </a:r>
-            <a:r>
-              <a:rPr sz="1400" dirty="0" err="1"/>
-              <a:t>tanımlı</a:t>
-            </a:r>
-            <a:r>
-              <a:rPr sz="1400" dirty="0"/>
-              <a:t> </a:t>
-            </a:r>
-            <a:r>
-              <a:rPr sz="1400" dirty="0" err="1"/>
-              <a:t>ilişkiler</a:t>
-            </a:r>
-            <a:r>
-              <a:rPr sz="1400" dirty="0"/>
-              <a:t> </a:t>
-            </a:r>
-            <a:r>
-              <a:rPr sz="1400" dirty="0" err="1"/>
-              <a:t>bulunabilen</a:t>
-            </a:r>
-            <a:r>
-              <a:rPr sz="1400" dirty="0"/>
-              <a:t> </a:t>
-            </a:r>
-            <a:r>
-              <a:rPr sz="1400" dirty="0" err="1"/>
-              <a:t>bilgiler</a:t>
-            </a:r>
-            <a:r>
-              <a:rPr sz="1400" dirty="0"/>
-              <a:t> </a:t>
-            </a:r>
-            <a:r>
-              <a:rPr sz="1400" dirty="0" err="1"/>
-              <a:t>kümesidir</a:t>
-            </a:r>
-            <a:r>
-              <a:rPr sz="1400" dirty="0"/>
-              <a:t>. 4-) </a:t>
-            </a:r>
-            <a:r>
-              <a:rPr sz="1400" dirty="0" err="1"/>
-              <a:t>Bilgisayarda</a:t>
-            </a:r>
-            <a:r>
-              <a:rPr sz="1400" dirty="0"/>
-              <a:t> </a:t>
-            </a:r>
-            <a:r>
-              <a:rPr sz="1400" dirty="0" err="1"/>
-              <a:t>sistematik</a:t>
-            </a:r>
-            <a:r>
-              <a:rPr sz="1400" dirty="0"/>
-              <a:t> </a:t>
-            </a:r>
-            <a:r>
-              <a:rPr sz="1400" dirty="0" err="1"/>
-              <a:t>şekilde</a:t>
-            </a:r>
-            <a:r>
-              <a:rPr sz="1400" dirty="0"/>
-              <a:t> </a:t>
-            </a:r>
-            <a:r>
-              <a:rPr sz="1400" dirty="0" err="1"/>
-              <a:t>saklanmış</a:t>
-            </a:r>
-            <a:r>
-              <a:rPr sz="1400" dirty="0"/>
-              <a:t>, </a:t>
-            </a:r>
-            <a:r>
-              <a:rPr sz="1400" dirty="0" err="1"/>
-              <a:t>programlarca</a:t>
-            </a:r>
-            <a:r>
-              <a:rPr sz="1400" dirty="0"/>
-              <a:t> </a:t>
-            </a:r>
-            <a:r>
-              <a:rPr sz="1400" dirty="0" err="1"/>
-              <a:t>işlenebilecek</a:t>
-            </a:r>
-            <a:r>
-              <a:rPr sz="1400" dirty="0"/>
-              <a:t> </a:t>
-            </a:r>
-            <a:r>
-              <a:rPr sz="1400" dirty="0" err="1"/>
-              <a:t>veri</a:t>
-            </a:r>
-            <a:r>
-              <a:rPr sz="1400" dirty="0"/>
-              <a:t> </a:t>
-            </a:r>
-            <a:r>
-              <a:rPr sz="1400" dirty="0" err="1"/>
-              <a:t>yığınıdır</a:t>
-            </a:r>
-            <a:r>
-              <a:rPr sz="1400" dirty="0"/>
-              <a:t>. —</a:t>
-            </a:r>
-          </a:p>
-          <a:p>
-            <a:pPr marL="0" lvl="0" indent="0">
+              <a:rPr b="1"/>
+              <a:t>Veritabanı nedir?</a:t>
+            </a:r>
+            <a:r>
+              <a:rPr/>
+              <a:t> 1-) Veritabanı düzenli bilgiler topluluğudur. 2-) Bilgisayar ortamında saklanan düzenli verilerdir. 3-) Bilgisayar terminolojisinde, sistematik erişim imkanı olan, yönetilebilir, güncellenebilir , taşınabilir, birbirleri arasında tanımlı ilişkiler bulunabilen bilgiler kümesidir. 4-) Bilgisayarda sistematik şekilde saklanmış, programlarca işlenebilecek veri yığınıdır. —</a:t>
+            </a:r>
+          </a:p>
+          <a:p>
+            <a:pPr lvl="0" indent="0" marL="0">
               <a:spcBef>
                 <a:spcPts val="3000"/>
               </a:spcBef>
               <a:buNone/>
             </a:pPr>
             <a:r>
-              <a:rPr sz="1400" b="1" dirty="0"/>
+              <a:rPr b="1"/>
               <a:t>VTYS</a:t>
             </a:r>
           </a:p>
           <a:p>
             <a:pPr lvl="0"/>
             <a:r>
-              <a:rPr sz="1400" b="1" dirty="0"/>
-              <a:t>Veri </a:t>
-            </a:r>
-            <a:r>
-              <a:rPr sz="1400" b="1" dirty="0" err="1"/>
-              <a:t>Tabanı</a:t>
-            </a:r>
-            <a:r>
-              <a:rPr sz="1400" b="1" dirty="0"/>
-              <a:t> </a:t>
-            </a:r>
-            <a:r>
-              <a:rPr sz="1400" b="1" dirty="0" err="1"/>
-              <a:t>Yönetim</a:t>
-            </a:r>
-            <a:r>
-              <a:rPr sz="1400" b="1" dirty="0"/>
-              <a:t> </a:t>
-            </a:r>
-            <a:r>
-              <a:rPr sz="1400" b="1" dirty="0" err="1"/>
-              <a:t>Sistemi</a:t>
-            </a:r>
-            <a:r>
-              <a:rPr sz="1400" b="1" dirty="0"/>
-              <a:t> </a:t>
-            </a:r>
-            <a:r>
-              <a:rPr sz="1400" b="1" dirty="0" err="1"/>
-              <a:t>nedir</a:t>
-            </a:r>
-            <a:r>
-              <a:rPr sz="1400" b="1" dirty="0"/>
-              <a:t>?</a:t>
-            </a:r>
-            <a:r>
-              <a:rPr sz="1400" dirty="0"/>
-              <a:t> Veri </a:t>
-            </a:r>
-            <a:r>
-              <a:rPr sz="1400" dirty="0" err="1"/>
-              <a:t>tabanı</a:t>
-            </a:r>
-            <a:r>
-              <a:rPr sz="1400" dirty="0"/>
-              <a:t> </a:t>
-            </a:r>
-            <a:r>
-              <a:rPr sz="1400" dirty="0" err="1"/>
-              <a:t>tanımlamak</a:t>
-            </a:r>
-            <a:r>
-              <a:rPr sz="1400" dirty="0"/>
-              <a:t>, </a:t>
-            </a:r>
-            <a:r>
-              <a:rPr sz="1400" dirty="0" err="1"/>
-              <a:t>yaratmak</a:t>
-            </a:r>
-            <a:r>
-              <a:rPr sz="1400" dirty="0"/>
-              <a:t>, </a:t>
-            </a:r>
-            <a:r>
-              <a:rPr sz="1400" dirty="0" err="1"/>
-              <a:t>yaşatmak</a:t>
-            </a:r>
-            <a:r>
-              <a:rPr sz="1400" dirty="0"/>
-              <a:t> </a:t>
-            </a:r>
-            <a:r>
-              <a:rPr sz="1400" dirty="0" err="1"/>
-              <a:t>ve</a:t>
-            </a:r>
-            <a:r>
-              <a:rPr sz="1400" dirty="0"/>
-              <a:t> </a:t>
-            </a:r>
-            <a:r>
-              <a:rPr sz="1400" dirty="0" err="1"/>
-              <a:t>veri</a:t>
-            </a:r>
-            <a:r>
-              <a:rPr sz="1400" dirty="0"/>
-              <a:t> </a:t>
-            </a:r>
-            <a:r>
-              <a:rPr sz="1400" dirty="0" err="1"/>
-              <a:t>tabanına</a:t>
-            </a:r>
-            <a:r>
-              <a:rPr sz="1400" dirty="0"/>
-              <a:t> </a:t>
-            </a:r>
-            <a:r>
-              <a:rPr sz="1400" dirty="0" err="1"/>
-              <a:t>denetimli</a:t>
-            </a:r>
-            <a:r>
-              <a:rPr sz="1400" dirty="0"/>
-              <a:t> </a:t>
-            </a:r>
-            <a:r>
-              <a:rPr sz="1400" dirty="0" err="1"/>
-              <a:t>erişim</a:t>
-            </a:r>
-            <a:r>
-              <a:rPr sz="1400" dirty="0"/>
-              <a:t> </a:t>
-            </a:r>
-            <a:r>
-              <a:rPr sz="1400" dirty="0" err="1"/>
-              <a:t>sağlamak</a:t>
-            </a:r>
-            <a:r>
-              <a:rPr sz="1400" dirty="0"/>
-              <a:t> </a:t>
-            </a:r>
-            <a:r>
-              <a:rPr sz="1400" dirty="0" err="1"/>
-              <a:t>için</a:t>
-            </a:r>
-            <a:r>
-              <a:rPr sz="1400" dirty="0"/>
-              <a:t> </a:t>
-            </a:r>
-            <a:r>
-              <a:rPr sz="1400" dirty="0" err="1"/>
-              <a:t>kullanılan</a:t>
-            </a:r>
-            <a:r>
-              <a:rPr sz="1400" dirty="0"/>
-              <a:t> </a:t>
-            </a:r>
-            <a:r>
-              <a:rPr sz="1400" dirty="0" err="1"/>
-              <a:t>yazılım</a:t>
-            </a:r>
-            <a:r>
-              <a:rPr sz="1400" dirty="0"/>
-              <a:t> </a:t>
-            </a:r>
-            <a:r>
-              <a:rPr sz="1400" dirty="0" err="1"/>
-              <a:t>sistemidir</a:t>
-            </a:r>
-            <a:r>
-              <a:rPr sz="1400" dirty="0"/>
-              <a:t>.</a:t>
+              <a:rPr b="1"/>
+              <a:t>Veri Tabanı Yönetim Sistemi nedir?</a:t>
+            </a:r>
+            <a:r>
+              <a:rPr/>
+              <a:t> Veri tabanı tanımlamak, yaratmak, yaşatmak ve veri tabanına denetimli erişim sağlamak için kullanılan yazılım sistemidir.</a:t>
             </a:r>
           </a:p>
         </p:txBody>
       </p:sp>
       <p:pic>
         <p:nvPicPr>
-          <p:cNvPr id="2" name="Picture 1" descr="fig:  assets/What-is-DBMS-Database-Management-System.webp"/>
+          <p:cNvPr descr="fig:  assets/What-is-DBMS-Database-Management-System.webp" id="0" name="Picture 1"/>
           <p:cNvPicPr>
             <a:picLocks noGrp="1" noChangeAspect="1"/>
           </p:cNvPicPr>
@@ -4219,7 +3781,7 @@
       </p:pic>
       <p:sp>
         <p:nvSpPr>
-          <p:cNvPr id="3" name="TextBox 3"/>
+          <p:cNvPr id="1" name="TextBox 3"/>
           <p:cNvSpPr txBox="1"/>
           <p:nvPr/>
         </p:nvSpPr>
@@ -4237,18 +3799,18 @@
           <a:bodyPr/>
           <a:lstStyle/>
           <a:p>
-            <a:pPr marL="0" lvl="0" indent="0" algn="ctr">
+            <a:pPr lvl="0" indent="0" marL="0" algn="ctr">
               <a:buNone/>
             </a:pPr>
-            <a:endParaRPr lang="tr-TR" dirty="0" err="1"/>
+            <a:r>
+              <a:rPr/>
+              <a:t>bg right:50% h:300px</a:t>
+            </a:r>
           </a:p>
         </p:txBody>
       </p:sp>
     </p:spTree>
   </p:cSld>
-  <p:clrMapOvr>
-    <a:masterClrMapping/>
-  </p:clrMapOvr>
 </p:sld>
 </file>
 
@@ -4276,156 +3838,41 @@
             <a:spLocks noGrp="1"/>
           </p:cNvSpPr>
           <p:nvPr>
-            <p:ph type="body" sz="half" idx="2"/>
-          </p:nvPr>
-        </p:nvSpPr>
-        <p:spPr/>
-        <p:txBody>
-          <a:bodyPr>
-            <a:normAutofit/>
-          </a:bodyPr>
-          <a:lstStyle/>
-          <a:p>
-            <a:pPr marL="0" lvl="0" indent="0">
+            <p:ph idx="2" sz="half" type="body"/>
+          </p:nvPr>
+        </p:nvSpPr>
+        <p:spPr/>
+        <p:txBody>
+          <a:bodyPr/>
+          <a:lstStyle/>
+          <a:p>
+            <a:pPr lvl="0" indent="0" marL="0">
               <a:spcBef>
                 <a:spcPts val="3000"/>
               </a:spcBef>
               <a:buNone/>
             </a:pPr>
             <a:r>
-              <a:rPr sz="2400" b="1" dirty="0"/>
+              <a:rPr b="1"/>
               <a:t>VTYS</a:t>
             </a:r>
           </a:p>
           <a:p>
             <a:pPr lvl="0"/>
             <a:r>
-              <a:rPr sz="2400" b="1" dirty="0" err="1"/>
-              <a:t>VTYS’ler</a:t>
-            </a:r>
-            <a:r>
-              <a:rPr sz="2400" b="1" dirty="0"/>
-              <a:t> </a:t>
-            </a:r>
-            <a:r>
-              <a:rPr sz="2400" b="1" dirty="0" err="1"/>
-              <a:t>aşağıdaki</a:t>
-            </a:r>
-            <a:r>
-              <a:rPr sz="2400" b="1" dirty="0"/>
-              <a:t> </a:t>
-            </a:r>
-            <a:r>
-              <a:rPr sz="2400" b="1" dirty="0" err="1"/>
-              <a:t>bilgileri</a:t>
-            </a:r>
-            <a:r>
-              <a:rPr sz="2400" b="1" dirty="0"/>
-              <a:t> </a:t>
-            </a:r>
-            <a:r>
-              <a:rPr sz="2400" b="1" dirty="0" err="1"/>
-              <a:t>barındırmaktadır</a:t>
-            </a:r>
-            <a:r>
-              <a:rPr sz="2400" b="1" dirty="0"/>
-              <a:t>;</a:t>
-            </a:r>
-            <a:r>
-              <a:rPr sz="2400" dirty="0"/>
-              <a:t> </a:t>
-            </a:r>
-            <a:r>
-              <a:rPr sz="2400" dirty="0" err="1"/>
-              <a:t>İlişkili</a:t>
-            </a:r>
-            <a:r>
-              <a:rPr sz="2400" dirty="0"/>
-              <a:t> </a:t>
-            </a:r>
-            <a:r>
-              <a:rPr sz="2400" dirty="0" err="1"/>
-              <a:t>olan</a:t>
-            </a:r>
-            <a:r>
-              <a:rPr sz="2400" dirty="0"/>
-              <a:t> </a:t>
-            </a:r>
-            <a:r>
-              <a:rPr sz="2400" dirty="0" err="1"/>
-              <a:t>veriler</a:t>
-            </a:r>
-            <a:r>
-              <a:rPr sz="2400" dirty="0"/>
-              <a:t> </a:t>
-            </a:r>
-            <a:r>
-              <a:rPr sz="2400" dirty="0" err="1"/>
-              <a:t>ve</a:t>
-            </a:r>
-            <a:r>
-              <a:rPr sz="2400" dirty="0"/>
-              <a:t> </a:t>
-            </a:r>
-            <a:r>
-              <a:rPr sz="2400" dirty="0" err="1"/>
-              <a:t>veriye</a:t>
-            </a:r>
-            <a:r>
-              <a:rPr sz="2400" dirty="0"/>
-              <a:t> </a:t>
-            </a:r>
-            <a:r>
-              <a:rPr sz="2400" dirty="0" err="1"/>
-              <a:t>ulaşmak</a:t>
-            </a:r>
-            <a:r>
-              <a:rPr sz="2400" dirty="0"/>
-              <a:t> </a:t>
-            </a:r>
-            <a:r>
-              <a:rPr sz="2400" dirty="0" err="1"/>
-              <a:t>için</a:t>
-            </a:r>
-            <a:r>
-              <a:rPr sz="2400" dirty="0"/>
-              <a:t> </a:t>
-            </a:r>
-            <a:r>
-              <a:rPr sz="2400" dirty="0" err="1"/>
-              <a:t>gerekli</a:t>
-            </a:r>
-            <a:r>
-              <a:rPr sz="2400" dirty="0"/>
-              <a:t> </a:t>
-            </a:r>
-            <a:r>
-              <a:rPr sz="2400" dirty="0" err="1"/>
-              <a:t>olan</a:t>
-            </a:r>
-            <a:r>
-              <a:rPr sz="2400" dirty="0"/>
-              <a:t> </a:t>
-            </a:r>
-            <a:r>
-              <a:rPr sz="2400" dirty="0" err="1"/>
-              <a:t>yazılımlar</a:t>
-            </a:r>
-            <a:r>
-              <a:rPr sz="2400" dirty="0"/>
-              <a:t> </a:t>
-            </a:r>
-            <a:r>
-              <a:rPr sz="2400" dirty="0" err="1"/>
-              <a:t>kümesi</a:t>
-            </a:r>
-            <a:endParaRPr sz="2400" dirty="0"/>
+              <a:rPr b="1"/>
+              <a:t>VTYS’ler aşağıdaki bilgileri barındırmaktadır;</a:t>
+            </a:r>
+            <a:r>
+              <a:rPr/>
+              <a:t> İlişkili olan veriler ve veriye ulaşmak için gerekli olan yazılımlar kümesi</a:t>
+            </a:r>
           </a:p>
         </p:txBody>
       </p:sp>
       <p:pic>
         <p:nvPicPr>
-          <p:cNvPr id="2" name="Picture 1" descr="fig:  assets/DBMS-2.png"/>
+          <p:cNvPr descr="fig:  assets/DBMS-2.png" id="0" name="Picture 1"/>
           <p:cNvPicPr>
             <a:picLocks noGrp="1" noChangeAspect="1"/>
           </p:cNvPicPr>
@@ -4455,7 +3902,7 @@
       </p:pic>
       <p:sp>
         <p:nvSpPr>
-          <p:cNvPr id="3" name="TextBox 3"/>
+          <p:cNvPr id="1" name="TextBox 3"/>
           <p:cNvSpPr txBox="1"/>
           <p:nvPr/>
         </p:nvSpPr>
@@ -4473,18 +3920,18 @@
           <a:bodyPr/>
           <a:lstStyle/>
           <a:p>
-            <a:pPr marL="0" lvl="0" indent="0" algn="ctr">
+            <a:pPr lvl="0" indent="0" marL="0" algn="ctr">
               <a:buNone/>
             </a:pPr>
-            <a:endParaRPr lang="tr-TR" dirty="0" err="1"/>
+            <a:r>
+              <a:rPr/>
+              <a:t>bg right:50% h:400px</a:t>
+            </a:r>
           </a:p>
         </p:txBody>
       </p:sp>
     </p:spTree>
   </p:cSld>
-  <p:clrMapOvr>
-    <a:masterClrMapping/>
-  </p:clrMapOvr>
 </p:sld>
 </file>
 
@@ -4520,7 +3967,7 @@
           <a:bodyPr/>
           <a:lstStyle/>
           <a:p>
-            <a:pPr marL="0" lvl="0" indent="0">
+            <a:pPr lvl="0" indent="0" marL="0">
               <a:spcBef>
                 <a:spcPts val="3000"/>
               </a:spcBef>
@@ -4538,6 +3985,7 @@
               <a:t>Veritabanı Sistemlerinin Üstünlükleri</a:t>
             </a:r>
             <a:r>
+              <a:rPr/>
               <a:t> Verinin tekrarlanmasını önler.Veritabanı sistemleri alt sistemler arasında ilişki kurulması ve birçok uygulamada verilerin aynı veritabanı içersinde ortak olarak tasarlanmasını öngörür.</a:t>
             </a:r>
           </a:p>
@@ -4545,9 +3993,6 @@
       </p:sp>
     </p:spTree>
   </p:cSld>
-  <p:clrMapOvr>
-    <a:masterClrMapping/>
-  </p:clrMapOvr>
 </p:sld>
 </file>
 
@@ -4583,7 +4028,7 @@
           <a:bodyPr/>
           <a:lstStyle/>
           <a:p>
-            <a:pPr marL="0" lvl="0" indent="0">
+            <a:pPr lvl="0" indent="0" marL="0">
               <a:spcBef>
                 <a:spcPts val="3000"/>
               </a:spcBef>
@@ -4601,6 +4046,7 @@
               <a:t>Veritabanı Sistemlerinin Üstünlükleri</a:t>
             </a:r>
             <a:r>
+              <a:rPr/>
               <a:t> Verilerin tutarlı olmasını sağlar.Veri bütünlüğü(data integrity), verinin doğruluğunu ve tutarlığını ifade etmektedir. Veri girişlerine kısıtlar konularak sadece istenilen aralıkta değer girişi sağlanabilir.</a:t>
             </a:r>
           </a:p>
@@ -4608,9 +4054,6 @@
       </p:sp>
     </p:spTree>
   </p:cSld>
-  <p:clrMapOvr>
-    <a:masterClrMapping/>
-  </p:clrMapOvr>
 </p:sld>
 </file>
 
@@ -4638,15 +4081,15 @@
             <a:spLocks noGrp="1"/>
           </p:cNvSpPr>
           <p:nvPr>
-            <p:ph type="body" sz="half" idx="2"/>
-          </p:nvPr>
-        </p:nvSpPr>
-        <p:spPr/>
-        <p:txBody>
-          <a:bodyPr/>
-          <a:lstStyle/>
-          <a:p>
-            <a:pPr marL="0" lvl="0" indent="0">
+            <p:ph idx="2" sz="half" type="body"/>
+          </p:nvPr>
+        </p:nvSpPr>
+        <p:spPr/>
+        <p:txBody>
+          <a:bodyPr/>
+          <a:lstStyle/>
+          <a:p>
+            <a:pPr lvl="0" indent="0" marL="0">
               <a:spcBef>
                 <a:spcPts val="3000"/>
               </a:spcBef>
@@ -4658,10 +4101,11 @@
             </a:r>
           </a:p>
           <a:p>
-            <a:pPr marL="0" lvl="0" indent="0">
+            <a:pPr lvl="0" indent="0" marL="0">
               <a:buNone/>
             </a:pPr>
             <a:r>
+              <a:rPr/>
               <a:t>Veri çözümleme ve modellemede ilişkilerin ortaya konması için kullanılan araçtır.Varlık: Bir alan içersinde diğer nesnelerden ayırt edilebilen bir şey yada “nesne”. Niteliklerin kümesi tarafından tanımlanır. İlişki: Birden fazla varlığın arasındaki bağıntı-ilişki.</a:t>
             </a:r>
           </a:p>
@@ -4669,7 +4113,7 @@
       </p:sp>
       <p:pic>
         <p:nvPicPr>
-          <p:cNvPr id="2" name="Picture 1" descr="fig:  assets/Entity-Relationship%20Model.webp"/>
+          <p:cNvPr descr="fig:  assets/Entity-Relationship%20Model.webp" id="0" name="Picture 1"/>
           <p:cNvPicPr>
             <a:picLocks noGrp="1" noChangeAspect="1"/>
           </p:cNvPicPr>
@@ -4699,7 +4143,7 @@
       </p:pic>
       <p:sp>
         <p:nvSpPr>
-          <p:cNvPr id="3" name="TextBox 3"/>
+          <p:cNvPr id="1" name="TextBox 3"/>
           <p:cNvSpPr txBox="1"/>
           <p:nvPr/>
         </p:nvSpPr>
@@ -4717,10 +4161,11 @@
           <a:bodyPr/>
           <a:lstStyle/>
           <a:p>
-            <a:pPr marL="0" lvl="0" indent="0" algn="ctr">
+            <a:pPr lvl="0" indent="0" marL="0" algn="ctr">
               <a:buNone/>
             </a:pPr>
             <a:r>
+              <a:rPr/>
               <a:t>bg left:50% h:500px</a:t>
             </a:r>
           </a:p>
@@ -4728,9 +4173,6 @@
       </p:sp>
     </p:spTree>
   </p:cSld>
-  <p:clrMapOvr>
-    <a:masterClrMapping/>
-  </p:clrMapOvr>
 </p:sld>
 </file>
 
@@ -5052,4 +4494,265 @@
   </a:objectDefaults>
   <a:extraClrSchemeLst/>
 </a:theme>
+</file>
+
+<file path=ppt/theme/theme2.xml><?xml version="1.0" encoding="utf-8"?>
+<a:theme xmlns:a="http://schemas.openxmlformats.org/drawingml/2006/main" name="Office Theme">
+  <a:themeElements>
+    <a:clrScheme name="Office">
+      <a:dk1>
+        <a:sysClr val="windowText" lastClr="000000"/>
+      </a:dk1>
+      <a:lt1>
+        <a:sysClr val="window" lastClr="FFFFFF"/>
+      </a:lt1>
+      <a:dk2>
+        <a:srgbClr val="44546A"/>
+      </a:dk2>
+      <a:lt2>
+        <a:srgbClr val="E7E6E6"/>
+      </a:lt2>
+      <a:accent1>
+        <a:srgbClr val="5B9BD5"/>
+      </a:accent1>
+      <a:accent2>
+        <a:srgbClr val="ED7D31"/>
+      </a:accent2>
+      <a:accent3>
+        <a:srgbClr val="A5A5A5"/>
+      </a:accent3>
+      <a:accent4>
+        <a:srgbClr val="FFC000"/>
+      </a:accent4>
+      <a:accent5>
+        <a:srgbClr val="4472C4"/>
+      </a:accent5>
+      <a:accent6>
+        <a:srgbClr val="70AD47"/>
+      </a:accent6>
+      <a:hlink>
+        <a:srgbClr val="0563C1"/>
+      </a:hlink>
+      <a:folHlink>
+        <a:srgbClr val="954F72"/>
+      </a:folHlink>
+    </a:clrScheme>
+    <a:fontScheme name="Office">
+      <a:majorFont>
+        <a:latin typeface="Calibri Light" panose="020F0302020204030204"/>
+        <a:ea typeface=""/>
+        <a:cs typeface=""/>
+        <a:font script="Jpan" typeface="ＭＳ Ｐゴシック"/>
+        <a:font script="Hang" typeface="맑은 고딕"/>
+        <a:font script="Hans" typeface="宋体"/>
+        <a:font script="Hant" typeface="新細明體"/>
+        <a:font script="Arab" typeface="Times New Roman"/>
+        <a:font script="Hebr" typeface="Times New Roman"/>
+        <a:font script="Thai" typeface="Angsana New"/>
+        <a:font script="Ethi" typeface="Nyala"/>
+        <a:font script="Beng" typeface="Vrinda"/>
+        <a:font script="Gujr" typeface="Shruti"/>
+        <a:font script="Khmr" typeface="MoolBoran"/>
+        <a:font script="Knda" typeface="Tunga"/>
+        <a:font script="Guru" typeface="Raavi"/>
+        <a:font script="Cans" typeface="Euphemia"/>
+        <a:font script="Cher" typeface="Plantagenet Cherokee"/>
+        <a:font script="Yiii" typeface="Microsoft Yi Baiti"/>
+        <a:font script="Tibt" typeface="Microsoft Himalaya"/>
+        <a:font script="Thaa" typeface="MV Boli"/>
+        <a:font script="Deva" typeface="Mangal"/>
+        <a:font script="Telu" typeface="Gautami"/>
+        <a:font script="Taml" typeface="Latha"/>
+        <a:font script="Syrc" typeface="Estrangelo Edessa"/>
+        <a:font script="Orya" typeface="Kalinga"/>
+        <a:font script="Mlym" typeface="Kartika"/>
+        <a:font script="Laoo" typeface="DokChampa"/>
+        <a:font script="Sinh" typeface="Iskoola Pota"/>
+        <a:font script="Mong" typeface="Mongolian Baiti"/>
+        <a:font script="Viet" typeface="Times New Roman"/>
+        <a:font script="Uigh" typeface="Microsoft Uighur"/>
+        <a:font script="Geor" typeface="Sylfaen"/>
+      </a:majorFont>
+      <a:minorFont>
+        <a:latin typeface="Calibri" panose="020F0502020204030204"/>
+        <a:ea typeface=""/>
+        <a:cs typeface=""/>
+        <a:font script="Jpan" typeface="ＭＳ Ｐゴシック"/>
+        <a:font script="Hang" typeface="맑은 고딕"/>
+        <a:font script="Hans" typeface="宋体"/>
+        <a:font script="Hant" typeface="新細明體"/>
+        <a:font script="Arab" typeface="Arial"/>
+        <a:font script="Hebr" typeface="Arial"/>
+        <a:font script="Thai" typeface="Cordia New"/>
+        <a:font script="Ethi" typeface="Nyala"/>
+        <a:font script="Beng" typeface="Vrinda"/>
+        <a:font script="Gujr" typeface="Shruti"/>
+        <a:font script="Khmr" typeface="DaunPenh"/>
+        <a:font script="Knda" typeface="Tunga"/>
+        <a:font script="Guru" typeface="Raavi"/>
+        <a:font script="Cans" typeface="Euphemia"/>
+        <a:font script="Cher" typeface="Plantagenet Cherokee"/>
+        <a:font script="Yiii" typeface="Microsoft Yi Baiti"/>
+        <a:font script="Tibt" typeface="Microsoft Himalaya"/>
+        <a:font script="Thaa" typeface="MV Boli"/>
+        <a:font script="Deva" typeface="Mangal"/>
+        <a:font script="Telu" typeface="Gautami"/>
+        <a:font script="Taml" typeface="Latha"/>
+        <a:font script="Syrc" typeface="Estrangelo Edessa"/>
+        <a:font script="Orya" typeface="Kalinga"/>
+        <a:font script="Mlym" typeface="Kartika"/>
+        <a:font script="Laoo" typeface="DokChampa"/>
+        <a:font script="Sinh" typeface="Iskoola Pota"/>
+        <a:font script="Mong" typeface="Mongolian Baiti"/>
+        <a:font script="Viet" typeface="Arial"/>
+        <a:font script="Uigh" typeface="Microsoft Uighur"/>
+        <a:font script="Geor" typeface="Sylfaen"/>
+      </a:minorFont>
+    </a:fontScheme>
+    <a:fmtScheme name="Office">
+      <a:fillStyleLst>
+        <a:solidFill>
+          <a:schemeClr val="phClr"/>
+        </a:solidFill>
+        <a:gradFill rotWithShape="1">
+          <a:gsLst>
+            <a:gs pos="0">
+              <a:schemeClr val="phClr">
+                <a:lumMod val="110000"/>
+                <a:satMod val="105000"/>
+                <a:tint val="67000"/>
+              </a:schemeClr>
+            </a:gs>
+            <a:gs pos="50000">
+              <a:schemeClr val="phClr">
+                <a:lumMod val="105000"/>
+                <a:satMod val="103000"/>
+                <a:tint val="73000"/>
+              </a:schemeClr>
+            </a:gs>
+            <a:gs pos="100000">
+              <a:schemeClr val="phClr">
+                <a:lumMod val="105000"/>
+                <a:satMod val="109000"/>
+                <a:tint val="81000"/>
+              </a:schemeClr>
+            </a:gs>
+          </a:gsLst>
+          <a:lin ang="5400000" scaled="0"/>
+        </a:gradFill>
+        <a:gradFill rotWithShape="1">
+          <a:gsLst>
+            <a:gs pos="0">
+              <a:schemeClr val="phClr">
+                <a:satMod val="103000"/>
+                <a:lumMod val="102000"/>
+                <a:tint val="94000"/>
+              </a:schemeClr>
+            </a:gs>
+            <a:gs pos="50000">
+              <a:schemeClr val="phClr">
+                <a:satMod val="110000"/>
+                <a:lumMod val="100000"/>
+                <a:shade val="100000"/>
+              </a:schemeClr>
+            </a:gs>
+            <a:gs pos="100000">
+              <a:schemeClr val="phClr">
+                <a:lumMod val="99000"/>
+                <a:satMod val="120000"/>
+                <a:shade val="78000"/>
+              </a:schemeClr>
+            </a:gs>
+          </a:gsLst>
+          <a:lin ang="5400000" scaled="0"/>
+        </a:gradFill>
+      </a:fillStyleLst>
+      <a:lnStyleLst>
+        <a:ln w="6350" cap="flat" cmpd="sng" algn="ctr">
+          <a:solidFill>
+            <a:schemeClr val="phClr"/>
+          </a:solidFill>
+          <a:prstDash val="solid"/>
+          <a:miter lim="800000"/>
+        </a:ln>
+        <a:ln w="12700" cap="flat" cmpd="sng" algn="ctr">
+          <a:solidFill>
+            <a:schemeClr val="phClr"/>
+          </a:solidFill>
+          <a:prstDash val="solid"/>
+          <a:miter lim="800000"/>
+        </a:ln>
+        <a:ln w="19050" cap="flat" cmpd="sng" algn="ctr">
+          <a:solidFill>
+            <a:schemeClr val="phClr"/>
+          </a:solidFill>
+          <a:prstDash val="solid"/>
+          <a:miter lim="800000"/>
+        </a:ln>
+      </a:lnStyleLst>
+      <a:effectStyleLst>
+        <a:effectStyle>
+          <a:effectLst/>
+        </a:effectStyle>
+        <a:effectStyle>
+          <a:effectLst/>
+        </a:effectStyle>
+        <a:effectStyle>
+          <a:effectLst>
+            <a:outerShdw blurRad="57150" dist="19050" dir="5400000" algn="ctr" rotWithShape="0">
+              <a:srgbClr val="000000">
+                <a:alpha val="63000"/>
+              </a:srgbClr>
+            </a:outerShdw>
+          </a:effectLst>
+        </a:effectStyle>
+      </a:effectStyleLst>
+      <a:bgFillStyleLst>
+        <a:solidFill>
+          <a:schemeClr val="phClr"/>
+        </a:solidFill>
+        <a:solidFill>
+          <a:schemeClr val="phClr">
+            <a:tint val="95000"/>
+            <a:satMod val="170000"/>
+          </a:schemeClr>
+        </a:solidFill>
+        <a:gradFill rotWithShape="1">
+          <a:gsLst>
+            <a:gs pos="0">
+              <a:schemeClr val="phClr">
+                <a:tint val="93000"/>
+                <a:satMod val="150000"/>
+                <a:shade val="98000"/>
+                <a:lumMod val="102000"/>
+              </a:schemeClr>
+            </a:gs>
+            <a:gs pos="50000">
+              <a:schemeClr val="phClr">
+                <a:tint val="98000"/>
+                <a:satMod val="130000"/>
+                <a:shade val="90000"/>
+                <a:lumMod val="103000"/>
+              </a:schemeClr>
+            </a:gs>
+            <a:gs pos="100000">
+              <a:schemeClr val="phClr">
+                <a:shade val="63000"/>
+                <a:satMod val="120000"/>
+              </a:schemeClr>
+            </a:gs>
+          </a:gsLst>
+          <a:lin ang="5400000" scaled="0"/>
+        </a:gradFill>
+      </a:bgFillStyleLst>
+    </a:fmtScheme>
+  </a:themeElements>
+  <a:objectDefaults/>
+  <a:extraClrSchemeLst/>
+  <a:extLst>
+    <a:ext uri="{05A4C25C-085E-4340-85A3-A5531E510DB2}">
+      <thm15:themeFamily xmlns:thm15="http://schemas.microsoft.com/office/thememl/2012/main" name="Office Theme" id="{62F939B6-93AF-4DB8-9C6B-D6C7DFDC589F}" vid="{4A3C46E8-61CC-4603-A589-7422A47A8E4A}"/>
+    </a:ext>
+  </a:extLst>
+</a:theme>
 </file>